--- a/CGM/CGM_Group_20250204.pptx
+++ b/CGM/CGM_Group_20250204.pptx
@@ -13,6 +13,7 @@
     <p:sldId id="261" r:id="rId8"/>
     <p:sldId id="262" r:id="rId9"/>
     <p:sldId id="263" r:id="rId10"/>
+    <p:sldId id="264" r:id="rId11"/>
   </p:sldIdLst>
   <p:sldSz cx="10080625" cy="5670550"/>
   <p:notesSz cx="7772400" cy="10058400"/>
@@ -70,7 +71,7 @@
         <p:txBody>
           <a:bodyPr/>
           <a:p>
-            <a:fld id="{A9621BA3-2594-42F8-A91B-5C41F8A2FDFD}" type="slidenum">
+            <a:fld id="{5B886D76-7844-44A6-9DBB-1F2C0B846C08}" type="slidenum">
               <a:t>&lt;#&gt;</a:t>
             </a:fld>
           </a:p>
@@ -279,7 +280,7 @@
         <p:txBody>
           <a:bodyPr/>
           <a:p>
-            <a:fld id="{A648F7C4-D876-470F-8BB2-346A19053FCE}" type="slidenum">
+            <a:fld id="{62D1E283-422B-4B91-B66D-12344BA02366}" type="slidenum">
               <a:t>&lt;#&gt;</a:t>
             </a:fld>
           </a:p>
@@ -574,7 +575,7 @@
         <p:txBody>
           <a:bodyPr/>
           <a:p>
-            <a:fld id="{D3E60456-7DB0-4E38-894D-61CB7A2D0010}" type="slidenum">
+            <a:fld id="{1F90D417-35BA-44D2-8CC1-655662B0CAE8}" type="slidenum">
               <a:t>&lt;#&gt;</a:t>
             </a:fld>
           </a:p>
@@ -955,7 +956,7 @@
         <p:txBody>
           <a:bodyPr/>
           <a:p>
-            <a:fld id="{FC556267-8A11-43AE-A424-CE240A89F886}" type="slidenum">
+            <a:fld id="{05AA6AAA-000C-44DB-83C9-D7D8E099B8A8}" type="slidenum">
               <a:t>&lt;#&gt;</a:t>
             </a:fld>
           </a:p>
@@ -1118,7 +1119,7 @@
         <p:txBody>
           <a:bodyPr/>
           <a:p>
-            <a:fld id="{C30A13BE-F0A7-41FF-BDBC-3C09CD618009}" type="slidenum">
+            <a:fld id="{4F6DC607-1B5E-4AB1-81FA-DED02F04EF81}" type="slidenum">
               <a:t>&lt;#&gt;</a:t>
             </a:fld>
           </a:p>
@@ -1284,7 +1285,7 @@
         <p:txBody>
           <a:bodyPr/>
           <a:p>
-            <a:fld id="{1E117D28-FB35-4C05-B2FD-FC5694832E7A}" type="slidenum">
+            <a:fld id="{D8F3060C-2142-440A-A337-29F31CDCD668}" type="slidenum">
               <a:t>&lt;#&gt;</a:t>
             </a:fld>
           </a:p>
@@ -1493,7 +1494,7 @@
         <p:txBody>
           <a:bodyPr/>
           <a:p>
-            <a:fld id="{B34C2DFC-6A5E-4344-BCDC-6820F7FFE0BB}" type="slidenum">
+            <a:fld id="{EC05FC33-F531-4179-B029-C7C37A5F4270}" type="slidenum">
               <a:t>&lt;#&gt;</a:t>
             </a:fld>
           </a:p>
@@ -1616,7 +1617,7 @@
         <p:txBody>
           <a:bodyPr/>
           <a:p>
-            <a:fld id="{D8593510-A33B-48E0-948C-456DFDF686AD}" type="slidenum">
+            <a:fld id="{DED92173-27BF-4A4C-B68B-BAB62FE639EE}" type="slidenum">
               <a:t>&lt;#&gt;</a:t>
             </a:fld>
           </a:p>
@@ -1737,7 +1738,7 @@
         <p:txBody>
           <a:bodyPr/>
           <a:p>
-            <a:fld id="{B9881F52-F2AC-4B35-9C8A-5C80473E3586}" type="slidenum">
+            <a:fld id="{F75A3FB4-BB5E-40E9-91E4-6A6DB0A825DD}" type="slidenum">
               <a:t>&lt;#&gt;</a:t>
             </a:fld>
           </a:p>
@@ -1989,7 +1990,7 @@
         <p:txBody>
           <a:bodyPr/>
           <a:p>
-            <a:fld id="{A6695FF3-9BBA-440F-AA28-806B917075D0}" type="slidenum">
+            <a:fld id="{2CBCF1A7-B3BC-4A96-BF85-1D59B832091B}" type="slidenum">
               <a:t>&lt;#&gt;</a:t>
             </a:fld>
           </a:p>
@@ -2241,7 +2242,7 @@
         <p:txBody>
           <a:bodyPr/>
           <a:p>
-            <a:fld id="{B44FBF47-1FDD-48ED-9B21-8635DE2D545A}" type="slidenum">
+            <a:fld id="{BCACA2B4-9CE9-4A0C-BAF1-7809DC9E42E1}" type="slidenum">
               <a:t>&lt;#&gt;</a:t>
             </a:fld>
           </a:p>
@@ -2493,7 +2494,7 @@
         <p:txBody>
           <a:bodyPr/>
           <a:p>
-            <a:fld id="{813E9F12-69C9-42C8-B5B8-7D1874C62502}" type="slidenum">
+            <a:fld id="{56FCF568-C6D5-4374-B3A1-A5CA75EF5454}" type="slidenum">
               <a:t>&lt;#&gt;</a:t>
             </a:fld>
           </a:p>
@@ -2978,7 +2979,7 @@
             <a:pPr indent="0" algn="r">
               <a:buNone/>
             </a:pPr>
-            <a:fld id="{7CB5986C-64F8-4651-AD97-C88300EC7267}" type="slidenum">
+            <a:fld id="{C5A5F7B9-0FDC-4311-A1E9-BF39C7BF88F2}" type="slidenum">
               <a:rPr b="0" lang="en-US" sz="1400" spc="-1" strike="noStrike">
                 <a:solidFill>
                   <a:srgbClr val="000000"/>
@@ -3901,7 +3902,7 @@
                 </a:solidFill>
                 <a:latin typeface="Arial"/>
               </a:rPr>
-              <a:t>M24</a:t>
+              <a:t>Z24</a:t>
             </a:r>
             <a:endParaRPr b="0" lang="en-US" sz="3200" spc="-1" strike="noStrike">
               <a:solidFill>
@@ -3912,6 +3913,29 @@
           </a:p>
         </p:txBody>
       </p:sp>
+      <p:pic>
+        <p:nvPicPr>
+          <p:cNvPr id="55" name="" descr=""/>
+          <p:cNvPicPr/>
+          <p:nvPr/>
+        </p:nvPicPr>
+        <p:blipFill>
+          <a:blip r:embed="rId1"/>
+          <a:stretch/>
+        </p:blipFill>
+        <p:spPr>
+          <a:xfrm>
+            <a:off x="1828800" y="1828800"/>
+            <a:ext cx="7930800" cy="3080520"/>
+          </a:xfrm>
+          <a:prstGeom prst="rect">
+            <a:avLst/>
+          </a:prstGeom>
+          <a:ln w="0">
+            <a:noFill/>
+          </a:ln>
+        </p:spPr>
+      </p:pic>
     </p:spTree>
   </p:cSld>
   <mc:AlternateContent>
@@ -3944,7 +3968,7 @@
       </p:grpSpPr>
       <p:sp>
         <p:nvSpPr>
-          <p:cNvPr id="55" name="PlaceHolder 1"/>
+          <p:cNvPr id="56" name="PlaceHolder 1"/>
           <p:cNvSpPr>
             <a:spLocks noGrp="1"/>
           </p:cNvSpPr>
@@ -3973,6 +3997,15 @@
             <a:pPr indent="0" algn="ctr">
               <a:buNone/>
             </a:pPr>
+            <a:r>
+              <a:rPr b="0" lang="en-US" sz="4400" spc="-1" strike="noStrike">
+                <a:solidFill>
+                  <a:srgbClr val="000000"/>
+                </a:solidFill>
+                <a:latin typeface="Arial"/>
+              </a:rPr>
+              <a:t>Observations</a:t>
+            </a:r>
             <a:endParaRPr b="0" lang="en-US" sz="4400" spc="-1" strike="noStrike">
               <a:solidFill>
                 <a:srgbClr val="000000"/>
@@ -3984,7 +4017,7 @@
       </p:sp>
       <p:sp>
         <p:nvSpPr>
-          <p:cNvPr id="56" name="PlaceHolder 2"/>
+          <p:cNvPr id="57" name="PlaceHolder 2"/>
           <p:cNvSpPr>
             <a:spLocks noGrp="1"/>
           </p:cNvSpPr>
@@ -3995,7 +4028,7 @@
         <p:spPr>
           <a:xfrm>
             <a:off x="504000" y="1326600"/>
-            <a:ext cx="4426920" cy="3288240"/>
+            <a:ext cx="9071640" cy="3288240"/>
           </a:xfrm>
           <a:prstGeom prst="rect">
             <a:avLst/>
@@ -4010,55 +4043,26 @@
             <a:normAutofit/>
           </a:bodyPr>
           <a:p>
-            <a:pPr indent="0">
+            <a:pPr marL="432000" indent="-324000">
               <a:spcBef>
                 <a:spcPts val="1417"/>
               </a:spcBef>
-              <a:buNone/>
-            </a:pPr>
-            <a:endParaRPr b="0" lang="en-US" sz="3200" spc="-1" strike="noStrike">
-              <a:solidFill>
-                <a:srgbClr val="000000"/>
-              </a:solidFill>
-              <a:latin typeface="Arial"/>
-            </a:endParaRPr>
-          </a:p>
-        </p:txBody>
-      </p:sp>
-      <p:sp>
-        <p:nvSpPr>
-          <p:cNvPr id="57" name="PlaceHolder 3"/>
-          <p:cNvSpPr>
-            <a:spLocks noGrp="1"/>
-          </p:cNvSpPr>
-          <p:nvPr>
-            <p:ph/>
-          </p:nvPr>
-        </p:nvSpPr>
-        <p:spPr>
-          <a:xfrm>
-            <a:off x="5152680" y="1326600"/>
-            <a:ext cx="4426920" cy="3288240"/>
-          </a:xfrm>
-          <a:prstGeom prst="rect">
-            <a:avLst/>
-          </a:prstGeom>
-          <a:noFill/>
-          <a:ln w="0">
-            <a:noFill/>
-          </a:ln>
-        </p:spPr>
-        <p:txBody>
-          <a:bodyPr lIns="0" rIns="0" tIns="0" bIns="0" anchor="t">
-            <a:normAutofit/>
-          </a:bodyPr>
-          <a:p>
-            <a:pPr indent="0">
-              <a:spcBef>
-                <a:spcPts val="1417"/>
-              </a:spcBef>
-              <a:buNone/>
-            </a:pPr>
+              <a:buClr>
+                <a:srgbClr val="000000"/>
+              </a:buClr>
+              <a:buSzPct val="45000"/>
+              <a:buFont typeface="Wingdings" charset="2"/>
+              <a:buChar char=""/>
+            </a:pPr>
+            <a:r>
+              <a:rPr b="0" lang="en-US" sz="3200" spc="-1" strike="noStrike">
+                <a:solidFill>
+                  <a:srgbClr val="000000"/>
+                </a:solidFill>
+                <a:latin typeface="Arial"/>
+              </a:rPr>
+              <a:t>M24</a:t>
+            </a:r>
             <a:endParaRPr b="0" lang="en-US" sz="3200" spc="-1" strike="noStrike">
               <a:solidFill>
                 <a:srgbClr val="000000"/>
@@ -4129,6 +4133,162 @@
             <a:pPr indent="0" algn="ctr">
               <a:buNone/>
             </a:pPr>
+            <a:endParaRPr b="0" lang="en-US" sz="4400" spc="-1" strike="noStrike">
+              <a:solidFill>
+                <a:srgbClr val="000000"/>
+              </a:solidFill>
+              <a:latin typeface="Arial"/>
+            </a:endParaRPr>
+          </a:p>
+        </p:txBody>
+      </p:sp>
+      <p:sp>
+        <p:nvSpPr>
+          <p:cNvPr id="59" name="PlaceHolder 2"/>
+          <p:cNvSpPr>
+            <a:spLocks noGrp="1"/>
+          </p:cNvSpPr>
+          <p:nvPr>
+            <p:ph/>
+          </p:nvPr>
+        </p:nvSpPr>
+        <p:spPr>
+          <a:xfrm>
+            <a:off x="504000" y="1326600"/>
+            <a:ext cx="4426920" cy="3288240"/>
+          </a:xfrm>
+          <a:prstGeom prst="rect">
+            <a:avLst/>
+          </a:prstGeom>
+          <a:noFill/>
+          <a:ln w="0">
+            <a:noFill/>
+          </a:ln>
+        </p:spPr>
+        <p:txBody>
+          <a:bodyPr lIns="0" rIns="0" tIns="0" bIns="0" anchor="t">
+            <a:normAutofit/>
+          </a:bodyPr>
+          <a:p>
+            <a:pPr indent="0">
+              <a:spcBef>
+                <a:spcPts val="1417"/>
+              </a:spcBef>
+              <a:buNone/>
+            </a:pPr>
+            <a:endParaRPr b="0" lang="en-US" sz="3200" spc="-1" strike="noStrike">
+              <a:solidFill>
+                <a:srgbClr val="000000"/>
+              </a:solidFill>
+              <a:latin typeface="Arial"/>
+            </a:endParaRPr>
+          </a:p>
+        </p:txBody>
+      </p:sp>
+      <p:sp>
+        <p:nvSpPr>
+          <p:cNvPr id="60" name="PlaceHolder 3"/>
+          <p:cNvSpPr>
+            <a:spLocks noGrp="1"/>
+          </p:cNvSpPr>
+          <p:nvPr>
+            <p:ph/>
+          </p:nvPr>
+        </p:nvSpPr>
+        <p:spPr>
+          <a:xfrm>
+            <a:off x="5152680" y="1326600"/>
+            <a:ext cx="4426920" cy="3288240"/>
+          </a:xfrm>
+          <a:prstGeom prst="rect">
+            <a:avLst/>
+          </a:prstGeom>
+          <a:noFill/>
+          <a:ln w="0">
+            <a:noFill/>
+          </a:ln>
+        </p:spPr>
+        <p:txBody>
+          <a:bodyPr lIns="0" rIns="0" tIns="0" bIns="0" anchor="t">
+            <a:normAutofit/>
+          </a:bodyPr>
+          <a:p>
+            <a:pPr indent="0">
+              <a:spcBef>
+                <a:spcPts val="1417"/>
+              </a:spcBef>
+              <a:buNone/>
+            </a:pPr>
+            <a:endParaRPr b="0" lang="en-US" sz="3200" spc="-1" strike="noStrike">
+              <a:solidFill>
+                <a:srgbClr val="000000"/>
+              </a:solidFill>
+              <a:latin typeface="Arial"/>
+            </a:endParaRPr>
+          </a:p>
+        </p:txBody>
+      </p:sp>
+    </p:spTree>
+  </p:cSld>
+  <mc:AlternateContent>
+    <mc:Choice Requires="p14">
+      <p:transition spd="slow" p14:dur="2000"/>
+    </mc:Choice>
+    <mc:Fallback>
+      <p:transition spd="slow"/>
+    </mc:Fallback>
+  </mc:AlternateContent>
+</p:sld>
+</file>
+
+<file path=ppt/slides/slide9.xml><?xml version="1.0" encoding="utf-8"?>
+<p:sld xmlns:a="http://schemas.openxmlformats.org/drawingml/2006/main" xmlns:p="http://schemas.openxmlformats.org/presentationml/2006/main" xmlns:r="http://schemas.openxmlformats.org/officeDocument/2006/relationships" xmlns:p14="http://schemas.microsoft.com/office/powerpoint/2010/main" xmlns:p15="http://schemas.microsoft.com/office/powerpoint/2012/main" xmlns:mc="http://schemas.openxmlformats.org/markup-compatibility/2006">
+  <p:cSld>
+    <p:spTree>
+      <p:nvGrpSpPr>
+        <p:cNvPr id="1" name=""/>
+        <p:cNvGrpSpPr/>
+        <p:nvPr/>
+      </p:nvGrpSpPr>
+      <p:grpSpPr>
+        <a:xfrm>
+          <a:off x="0" y="0"/>
+          <a:ext cx="0" cy="0"/>
+          <a:chOff x="0" y="0"/>
+          <a:chExt cx="0" cy="0"/>
+        </a:xfrm>
+      </p:grpSpPr>
+      <p:sp>
+        <p:nvSpPr>
+          <p:cNvPr id="61" name="PlaceHolder 1"/>
+          <p:cNvSpPr>
+            <a:spLocks noGrp="1"/>
+          </p:cNvSpPr>
+          <p:nvPr>
+            <p:ph type="title"/>
+          </p:nvPr>
+        </p:nvSpPr>
+        <p:spPr>
+          <a:xfrm>
+            <a:off x="504000" y="226080"/>
+            <a:ext cx="9071640" cy="946440"/>
+          </a:xfrm>
+          <a:prstGeom prst="rect">
+            <a:avLst/>
+          </a:prstGeom>
+          <a:noFill/>
+          <a:ln w="0">
+            <a:noFill/>
+          </a:ln>
+        </p:spPr>
+        <p:txBody>
+          <a:bodyPr lIns="0" rIns="0" tIns="0" bIns="0" anchor="ctr">
+            <a:noAutofit/>
+          </a:bodyPr>
+          <a:p>
+            <a:pPr indent="0" algn="ctr">
+              <a:buNone/>
+            </a:pPr>
             <a:r>
               <a:rPr b="0" lang="en-US" sz="4400" spc="-1" strike="noStrike">
                 <a:solidFill>
@@ -4149,7 +4309,7 @@
       </p:sp>
       <p:sp>
         <p:nvSpPr>
-          <p:cNvPr id="59" name="PlaceHolder 2"/>
+          <p:cNvPr id="62" name="PlaceHolder 2"/>
           <p:cNvSpPr>
             <a:spLocks noGrp="1"/>
           </p:cNvSpPr>

--- a/CGM/CGM_Group_20250204.pptx
+++ b/CGM/CGM_Group_20250204.pptx
@@ -4,18 +4,27 @@
   <p:sldMasterIdLst>
     <p:sldMasterId id="2147483661" r:id="rId1"/>
   </p:sldMasterIdLst>
+  <p:notesMasterIdLst>
+    <p:notesMasterId r:id="rId19"/>
+  </p:notesMasterIdLst>
   <p:sldIdLst>
     <p:sldId id="266" r:id="rId2"/>
-    <p:sldId id="267" r:id="rId3"/>
-    <p:sldId id="268" r:id="rId4"/>
-    <p:sldId id="257" r:id="rId5"/>
-    <p:sldId id="258" r:id="rId6"/>
-    <p:sldId id="259" r:id="rId7"/>
-    <p:sldId id="260" r:id="rId8"/>
-    <p:sldId id="261" r:id="rId9"/>
-    <p:sldId id="262" r:id="rId10"/>
-    <p:sldId id="263" r:id="rId11"/>
-    <p:sldId id="264" r:id="rId12"/>
+    <p:sldId id="269" r:id="rId3"/>
+    <p:sldId id="272" r:id="rId4"/>
+    <p:sldId id="274" r:id="rId5"/>
+    <p:sldId id="273" r:id="rId6"/>
+    <p:sldId id="276" r:id="rId7"/>
+    <p:sldId id="277" r:id="rId8"/>
+    <p:sldId id="278" r:id="rId9"/>
+    <p:sldId id="282" r:id="rId10"/>
+    <p:sldId id="283" r:id="rId11"/>
+    <p:sldId id="281" r:id="rId12"/>
+    <p:sldId id="275" r:id="rId13"/>
+    <p:sldId id="288" r:id="rId14"/>
+    <p:sldId id="287" r:id="rId15"/>
+    <p:sldId id="285" r:id="rId16"/>
+    <p:sldId id="284" r:id="rId17"/>
+    <p:sldId id="286" r:id="rId18"/>
   </p:sldIdLst>
   <p:sldSz cx="10080625" cy="5670550"/>
   <p:notesSz cx="7772400" cy="10058400"/>
@@ -114,7 +123,860 @@
       </a:defRPr>
     </a:lvl9pPr>
   </p:defaultTextStyle>
+  <p:extLst>
+    <p:ext uri="{EFAFB233-063F-42B5-8137-9DF3F51BA10A}">
+      <p15:sldGuideLst xmlns:p15="http://schemas.microsoft.com/office/powerpoint/2012/main"/>
+    </p:ext>
+  </p:extLst>
 </p:presentation>
+</file>
+
+<file path=ppt/notesMasters/notesMaster1.xml><?xml version="1.0" encoding="utf-8"?>
+<p:notesMaster xmlns:a="http://schemas.openxmlformats.org/drawingml/2006/main" xmlns:r="http://schemas.openxmlformats.org/officeDocument/2006/relationships" xmlns:p="http://schemas.openxmlformats.org/presentationml/2006/main">
+  <p:cSld>
+    <p:bg>
+      <p:bgRef idx="1001">
+        <a:schemeClr val="bg1"/>
+      </p:bgRef>
+    </p:bg>
+    <p:spTree>
+      <p:nvGrpSpPr>
+        <p:cNvPr id="1" name=""/>
+        <p:cNvGrpSpPr/>
+        <p:nvPr/>
+      </p:nvGrpSpPr>
+      <p:grpSpPr>
+        <a:xfrm>
+          <a:off x="0" y="0"/>
+          <a:ext cx="0" cy="0"/>
+          <a:chOff x="0" y="0"/>
+          <a:chExt cx="0" cy="0"/>
+        </a:xfrm>
+      </p:grpSpPr>
+      <p:sp>
+        <p:nvSpPr>
+          <p:cNvPr id="2" name="Header Placeholder 1"/>
+          <p:cNvSpPr>
+            <a:spLocks noGrp="1"/>
+          </p:cNvSpPr>
+          <p:nvPr>
+            <p:ph type="hdr" sz="quarter"/>
+          </p:nvPr>
+        </p:nvSpPr>
+        <p:spPr>
+          <a:xfrm>
+            <a:off x="0" y="0"/>
+            <a:ext cx="3368675" cy="504825"/>
+          </a:xfrm>
+          <a:prstGeom prst="rect">
+            <a:avLst/>
+          </a:prstGeom>
+        </p:spPr>
+        <p:txBody>
+          <a:bodyPr vert="horz" lIns="91440" tIns="45720" rIns="91440" bIns="45720" rtlCol="0"/>
+          <a:lstStyle>
+            <a:lvl1pPr algn="l">
+              <a:defRPr sz="1200"/>
+            </a:lvl1pPr>
+          </a:lstStyle>
+          <a:p>
+            <a:endParaRPr lang="en-US"/>
+          </a:p>
+        </p:txBody>
+      </p:sp>
+      <p:sp>
+        <p:nvSpPr>
+          <p:cNvPr id="3" name="Date Placeholder 2"/>
+          <p:cNvSpPr>
+            <a:spLocks noGrp="1"/>
+          </p:cNvSpPr>
+          <p:nvPr>
+            <p:ph type="dt" idx="1"/>
+          </p:nvPr>
+        </p:nvSpPr>
+        <p:spPr>
+          <a:xfrm>
+            <a:off x="4402138" y="0"/>
+            <a:ext cx="3368675" cy="504825"/>
+          </a:xfrm>
+          <a:prstGeom prst="rect">
+            <a:avLst/>
+          </a:prstGeom>
+        </p:spPr>
+        <p:txBody>
+          <a:bodyPr vert="horz" lIns="91440" tIns="45720" rIns="91440" bIns="45720" rtlCol="0"/>
+          <a:lstStyle>
+            <a:lvl1pPr algn="r">
+              <a:defRPr sz="1200"/>
+            </a:lvl1pPr>
+          </a:lstStyle>
+          <a:p>
+            <a:fld id="{1F9DF5D3-2511-4707-A81F-6BE8EBF729A2}" type="datetimeFigureOut">
+              <a:rPr lang="en-US" smtClean="0"/>
+              <a:t>2/6/2025</a:t>
+            </a:fld>
+            <a:endParaRPr lang="en-US"/>
+          </a:p>
+        </p:txBody>
+      </p:sp>
+      <p:sp>
+        <p:nvSpPr>
+          <p:cNvPr id="4" name="Slide Image Placeholder 3"/>
+          <p:cNvSpPr>
+            <a:spLocks noGrp="1" noRot="1" noChangeAspect="1"/>
+          </p:cNvSpPr>
+          <p:nvPr>
+            <p:ph type="sldImg" idx="2"/>
+          </p:nvPr>
+        </p:nvSpPr>
+        <p:spPr>
+          <a:xfrm>
+            <a:off x="869950" y="1257300"/>
+            <a:ext cx="6032500" cy="3394075"/>
+          </a:xfrm>
+          <a:prstGeom prst="rect">
+            <a:avLst/>
+          </a:prstGeom>
+          <a:noFill/>
+          <a:ln w="12700">
+            <a:solidFill>
+              <a:prstClr val="black"/>
+            </a:solidFill>
+          </a:ln>
+        </p:spPr>
+        <p:txBody>
+          <a:bodyPr vert="horz" lIns="91440" tIns="45720" rIns="91440" bIns="45720" rtlCol="0" anchor="ctr"/>
+          <a:lstStyle/>
+          <a:p>
+            <a:endParaRPr lang="en-US"/>
+          </a:p>
+        </p:txBody>
+      </p:sp>
+      <p:sp>
+        <p:nvSpPr>
+          <p:cNvPr id="5" name="Notes Placeholder 4"/>
+          <p:cNvSpPr>
+            <a:spLocks noGrp="1"/>
+          </p:cNvSpPr>
+          <p:nvPr>
+            <p:ph type="body" sz="quarter" idx="3"/>
+          </p:nvPr>
+        </p:nvSpPr>
+        <p:spPr>
+          <a:xfrm>
+            <a:off x="777875" y="4840288"/>
+            <a:ext cx="6216650" cy="3960812"/>
+          </a:xfrm>
+          <a:prstGeom prst="rect">
+            <a:avLst/>
+          </a:prstGeom>
+        </p:spPr>
+        <p:txBody>
+          <a:bodyPr vert="horz" lIns="91440" tIns="45720" rIns="91440" bIns="45720" rtlCol="0"/>
+          <a:lstStyle/>
+          <a:p>
+            <a:pPr lvl="0"/>
+            <a:r>
+              <a:rPr lang="en-US"/>
+              <a:t>Click to edit Master text styles</a:t>
+            </a:r>
+          </a:p>
+          <a:p>
+            <a:pPr lvl="1"/>
+            <a:r>
+              <a:rPr lang="en-US"/>
+              <a:t>Second level</a:t>
+            </a:r>
+          </a:p>
+          <a:p>
+            <a:pPr lvl="2"/>
+            <a:r>
+              <a:rPr lang="en-US"/>
+              <a:t>Third level</a:t>
+            </a:r>
+          </a:p>
+          <a:p>
+            <a:pPr lvl="3"/>
+            <a:r>
+              <a:rPr lang="en-US"/>
+              <a:t>Fourth level</a:t>
+            </a:r>
+          </a:p>
+          <a:p>
+            <a:pPr lvl="4"/>
+            <a:r>
+              <a:rPr lang="en-US"/>
+              <a:t>Fifth level</a:t>
+            </a:r>
+          </a:p>
+        </p:txBody>
+      </p:sp>
+      <p:sp>
+        <p:nvSpPr>
+          <p:cNvPr id="6" name="Footer Placeholder 5"/>
+          <p:cNvSpPr>
+            <a:spLocks noGrp="1"/>
+          </p:cNvSpPr>
+          <p:nvPr>
+            <p:ph type="ftr" sz="quarter" idx="4"/>
+          </p:nvPr>
+        </p:nvSpPr>
+        <p:spPr>
+          <a:xfrm>
+            <a:off x="0" y="9553575"/>
+            <a:ext cx="3368675" cy="504825"/>
+          </a:xfrm>
+          <a:prstGeom prst="rect">
+            <a:avLst/>
+          </a:prstGeom>
+        </p:spPr>
+        <p:txBody>
+          <a:bodyPr vert="horz" lIns="91440" tIns="45720" rIns="91440" bIns="45720" rtlCol="0" anchor="b"/>
+          <a:lstStyle>
+            <a:lvl1pPr algn="l">
+              <a:defRPr sz="1200"/>
+            </a:lvl1pPr>
+          </a:lstStyle>
+          <a:p>
+            <a:endParaRPr lang="en-US"/>
+          </a:p>
+        </p:txBody>
+      </p:sp>
+      <p:sp>
+        <p:nvSpPr>
+          <p:cNvPr id="7" name="Slide Number Placeholder 6"/>
+          <p:cNvSpPr>
+            <a:spLocks noGrp="1"/>
+          </p:cNvSpPr>
+          <p:nvPr>
+            <p:ph type="sldNum" sz="quarter" idx="5"/>
+          </p:nvPr>
+        </p:nvSpPr>
+        <p:spPr>
+          <a:xfrm>
+            <a:off x="4402138" y="9553575"/>
+            <a:ext cx="3368675" cy="504825"/>
+          </a:xfrm>
+          <a:prstGeom prst="rect">
+            <a:avLst/>
+          </a:prstGeom>
+        </p:spPr>
+        <p:txBody>
+          <a:bodyPr vert="horz" lIns="91440" tIns="45720" rIns="91440" bIns="45720" rtlCol="0" anchor="b"/>
+          <a:lstStyle>
+            <a:lvl1pPr algn="r">
+              <a:defRPr sz="1200"/>
+            </a:lvl1pPr>
+          </a:lstStyle>
+          <a:p>
+            <a:fld id="{2C602896-510C-4A38-BE41-020EB069CB93}" type="slidenum">
+              <a:rPr lang="en-US" smtClean="0"/>
+              <a:t>‹#›</a:t>
+            </a:fld>
+            <a:endParaRPr lang="en-US"/>
+          </a:p>
+        </p:txBody>
+      </p:sp>
+    </p:spTree>
+    <p:extLst>
+      <p:ext uri="{BB962C8B-B14F-4D97-AF65-F5344CB8AC3E}">
+        <p14:creationId xmlns:p14="http://schemas.microsoft.com/office/powerpoint/2010/main" val="66555699"/>
+      </p:ext>
+    </p:extLst>
+  </p:cSld>
+  <p:clrMap bg1="lt1" tx1="dk1" bg2="lt2" tx2="dk2" accent1="accent1" accent2="accent2" accent3="accent3" accent4="accent4" accent5="accent5" accent6="accent6" hlink="hlink" folHlink="folHlink"/>
+  <p:notesStyle>
+    <a:lvl1pPr marL="0" algn="l" defTabSz="914400" rtl="0" eaLnBrk="1" latinLnBrk="0" hangingPunct="1">
+      <a:defRPr sz="1200" kern="1200">
+        <a:solidFill>
+          <a:schemeClr val="tx1"/>
+        </a:solidFill>
+        <a:latin typeface="+mn-lt"/>
+        <a:ea typeface="+mn-ea"/>
+        <a:cs typeface="+mn-cs"/>
+      </a:defRPr>
+    </a:lvl1pPr>
+    <a:lvl2pPr marL="457200" algn="l" defTabSz="914400" rtl="0" eaLnBrk="1" latinLnBrk="0" hangingPunct="1">
+      <a:defRPr sz="1200" kern="1200">
+        <a:solidFill>
+          <a:schemeClr val="tx1"/>
+        </a:solidFill>
+        <a:latin typeface="+mn-lt"/>
+        <a:ea typeface="+mn-ea"/>
+        <a:cs typeface="+mn-cs"/>
+      </a:defRPr>
+    </a:lvl2pPr>
+    <a:lvl3pPr marL="914400" algn="l" defTabSz="914400" rtl="0" eaLnBrk="1" latinLnBrk="0" hangingPunct="1">
+      <a:defRPr sz="1200" kern="1200">
+        <a:solidFill>
+          <a:schemeClr val="tx1"/>
+        </a:solidFill>
+        <a:latin typeface="+mn-lt"/>
+        <a:ea typeface="+mn-ea"/>
+        <a:cs typeface="+mn-cs"/>
+      </a:defRPr>
+    </a:lvl3pPr>
+    <a:lvl4pPr marL="1371600" algn="l" defTabSz="914400" rtl="0" eaLnBrk="1" latinLnBrk="0" hangingPunct="1">
+      <a:defRPr sz="1200" kern="1200">
+        <a:solidFill>
+          <a:schemeClr val="tx1"/>
+        </a:solidFill>
+        <a:latin typeface="+mn-lt"/>
+        <a:ea typeface="+mn-ea"/>
+        <a:cs typeface="+mn-cs"/>
+      </a:defRPr>
+    </a:lvl4pPr>
+    <a:lvl5pPr marL="1828800" algn="l" defTabSz="914400" rtl="0" eaLnBrk="1" latinLnBrk="0" hangingPunct="1">
+      <a:defRPr sz="1200" kern="1200">
+        <a:solidFill>
+          <a:schemeClr val="tx1"/>
+        </a:solidFill>
+        <a:latin typeface="+mn-lt"/>
+        <a:ea typeface="+mn-ea"/>
+        <a:cs typeface="+mn-cs"/>
+      </a:defRPr>
+    </a:lvl5pPr>
+    <a:lvl6pPr marL="2286000" algn="l" defTabSz="914400" rtl="0" eaLnBrk="1" latinLnBrk="0" hangingPunct="1">
+      <a:defRPr sz="1200" kern="1200">
+        <a:solidFill>
+          <a:schemeClr val="tx1"/>
+        </a:solidFill>
+        <a:latin typeface="+mn-lt"/>
+        <a:ea typeface="+mn-ea"/>
+        <a:cs typeface="+mn-cs"/>
+      </a:defRPr>
+    </a:lvl6pPr>
+    <a:lvl7pPr marL="2743200" algn="l" defTabSz="914400" rtl="0" eaLnBrk="1" latinLnBrk="0" hangingPunct="1">
+      <a:defRPr sz="1200" kern="1200">
+        <a:solidFill>
+          <a:schemeClr val="tx1"/>
+        </a:solidFill>
+        <a:latin typeface="+mn-lt"/>
+        <a:ea typeface="+mn-ea"/>
+        <a:cs typeface="+mn-cs"/>
+      </a:defRPr>
+    </a:lvl7pPr>
+    <a:lvl8pPr marL="3200400" algn="l" defTabSz="914400" rtl="0" eaLnBrk="1" latinLnBrk="0" hangingPunct="1">
+      <a:defRPr sz="1200" kern="1200">
+        <a:solidFill>
+          <a:schemeClr val="tx1"/>
+        </a:solidFill>
+        <a:latin typeface="+mn-lt"/>
+        <a:ea typeface="+mn-ea"/>
+        <a:cs typeface="+mn-cs"/>
+      </a:defRPr>
+    </a:lvl8pPr>
+    <a:lvl9pPr marL="3657600" algn="l" defTabSz="914400" rtl="0" eaLnBrk="1" latinLnBrk="0" hangingPunct="1">
+      <a:defRPr sz="1200" kern="1200">
+        <a:solidFill>
+          <a:schemeClr val="tx1"/>
+        </a:solidFill>
+        <a:latin typeface="+mn-lt"/>
+        <a:ea typeface="+mn-ea"/>
+        <a:cs typeface="+mn-cs"/>
+      </a:defRPr>
+    </a:lvl9pPr>
+  </p:notesStyle>
+</p:notesMaster>
+</file>
+
+<file path=ppt/notesSlides/notesSlide1.xml><?xml version="1.0" encoding="utf-8"?>
+<p:notes xmlns:a="http://schemas.openxmlformats.org/drawingml/2006/main" xmlns:r="http://schemas.openxmlformats.org/officeDocument/2006/relationships" xmlns:p="http://schemas.openxmlformats.org/presentationml/2006/main">
+  <p:cSld>
+    <p:spTree>
+      <p:nvGrpSpPr>
+        <p:cNvPr id="1" name=""/>
+        <p:cNvGrpSpPr/>
+        <p:nvPr/>
+      </p:nvGrpSpPr>
+      <p:grpSpPr>
+        <a:xfrm>
+          <a:off x="0" y="0"/>
+          <a:ext cx="0" cy="0"/>
+          <a:chOff x="0" y="0"/>
+          <a:chExt cx="0" cy="0"/>
+        </a:xfrm>
+      </p:grpSpPr>
+      <p:sp>
+        <p:nvSpPr>
+          <p:cNvPr id="2" name="Slide Image Placeholder 1"/>
+          <p:cNvSpPr>
+            <a:spLocks noGrp="1" noRot="1" noChangeAspect="1"/>
+          </p:cNvSpPr>
+          <p:nvPr>
+            <p:ph type="sldImg"/>
+          </p:nvPr>
+        </p:nvSpPr>
+        <p:spPr/>
+      </p:sp>
+      <p:sp>
+        <p:nvSpPr>
+          <p:cNvPr id="3" name="Notes Placeholder 2"/>
+          <p:cNvSpPr>
+            <a:spLocks noGrp="1"/>
+          </p:cNvSpPr>
+          <p:nvPr>
+            <p:ph type="body" idx="1"/>
+          </p:nvPr>
+        </p:nvSpPr>
+        <p:spPr/>
+        <p:txBody>
+          <a:bodyPr/>
+          <a:lstStyle/>
+          <a:p>
+            <a:r>
+              <a:rPr lang="en-US" dirty="0"/>
+              <a:t>Cosmic ultraviolet baryon survey – HST cycle 25 GO Program</a:t>
+            </a:r>
+          </a:p>
+          <a:p>
+            <a:r>
+              <a:rPr lang="en-US" dirty="0"/>
+              <a:t>Use UNIVERSEMACHINE to get halo mass</a:t>
+            </a:r>
+          </a:p>
+        </p:txBody>
+      </p:sp>
+      <p:sp>
+        <p:nvSpPr>
+          <p:cNvPr id="4" name="Slide Number Placeholder 3"/>
+          <p:cNvSpPr>
+            <a:spLocks noGrp="1"/>
+          </p:cNvSpPr>
+          <p:nvPr>
+            <p:ph type="sldNum" sz="quarter" idx="5"/>
+          </p:nvPr>
+        </p:nvSpPr>
+        <p:spPr/>
+        <p:txBody>
+          <a:bodyPr/>
+          <a:lstStyle/>
+          <a:p>
+            <a:fld id="{2C602896-510C-4A38-BE41-020EB069CB93}" type="slidenum">
+              <a:rPr lang="en-US" smtClean="0"/>
+              <a:t>2</a:t>
+            </a:fld>
+            <a:endParaRPr lang="en-US"/>
+          </a:p>
+        </p:txBody>
+      </p:sp>
+    </p:spTree>
+    <p:extLst>
+      <p:ext uri="{BB962C8B-B14F-4D97-AF65-F5344CB8AC3E}">
+        <p14:creationId xmlns:p14="http://schemas.microsoft.com/office/powerpoint/2010/main" val="1711911478"/>
+      </p:ext>
+    </p:extLst>
+  </p:cSld>
+  <p:clrMapOvr>
+    <a:masterClrMapping/>
+  </p:clrMapOvr>
+</p:notes>
+</file>
+
+<file path=ppt/notesSlides/notesSlide2.xml><?xml version="1.0" encoding="utf-8"?>
+<p:notes xmlns:a="http://schemas.openxmlformats.org/drawingml/2006/main" xmlns:r="http://schemas.openxmlformats.org/officeDocument/2006/relationships" xmlns:p="http://schemas.openxmlformats.org/presentationml/2006/main">
+  <p:cSld>
+    <p:spTree>
+      <p:nvGrpSpPr>
+        <p:cNvPr id="1" name=""/>
+        <p:cNvGrpSpPr/>
+        <p:nvPr/>
+      </p:nvGrpSpPr>
+      <p:grpSpPr>
+        <a:xfrm>
+          <a:off x="0" y="0"/>
+          <a:ext cx="0" cy="0"/>
+          <a:chOff x="0" y="0"/>
+          <a:chExt cx="0" cy="0"/>
+        </a:xfrm>
+      </p:grpSpPr>
+      <p:sp>
+        <p:nvSpPr>
+          <p:cNvPr id="2" name="Slide Image Placeholder 1"/>
+          <p:cNvSpPr>
+            <a:spLocks noGrp="1" noRot="1" noChangeAspect="1"/>
+          </p:cNvSpPr>
+          <p:nvPr>
+            <p:ph type="sldImg"/>
+          </p:nvPr>
+        </p:nvSpPr>
+        <p:spPr/>
+      </p:sp>
+      <p:sp>
+        <p:nvSpPr>
+          <p:cNvPr id="3" name="Notes Placeholder 2"/>
+          <p:cNvSpPr>
+            <a:spLocks noGrp="1"/>
+          </p:cNvSpPr>
+          <p:nvPr>
+            <p:ph type="body" idx="1"/>
+          </p:nvPr>
+        </p:nvSpPr>
+        <p:spPr/>
+        <p:txBody>
+          <a:bodyPr/>
+          <a:lstStyle/>
+          <a:p>
+            <a:r>
+              <a:rPr lang="en-US" dirty="0"/>
+              <a:t>Use CLOUDY to calculate </a:t>
+            </a:r>
+            <a:r>
+              <a:rPr lang="en-US" dirty="0" err="1"/>
+              <a:t>Teq</a:t>
+            </a:r>
+            <a:r>
+              <a:rPr lang="en-US" dirty="0"/>
+              <a:t> and neutral H fraction</a:t>
+            </a:r>
+          </a:p>
+        </p:txBody>
+      </p:sp>
+      <p:sp>
+        <p:nvSpPr>
+          <p:cNvPr id="4" name="Slide Number Placeholder 3"/>
+          <p:cNvSpPr>
+            <a:spLocks noGrp="1"/>
+          </p:cNvSpPr>
+          <p:nvPr>
+            <p:ph type="sldNum" sz="quarter" idx="5"/>
+          </p:nvPr>
+        </p:nvSpPr>
+        <p:spPr/>
+        <p:txBody>
+          <a:bodyPr/>
+          <a:lstStyle/>
+          <a:p>
+            <a:fld id="{2C602896-510C-4A38-BE41-020EB069CB93}" type="slidenum">
+              <a:rPr lang="en-US" smtClean="0"/>
+              <a:t>6</a:t>
+            </a:fld>
+            <a:endParaRPr lang="en-US"/>
+          </a:p>
+        </p:txBody>
+      </p:sp>
+    </p:spTree>
+    <p:extLst>
+      <p:ext uri="{BB962C8B-B14F-4D97-AF65-F5344CB8AC3E}">
+        <p14:creationId xmlns:p14="http://schemas.microsoft.com/office/powerpoint/2010/main" val="3887228544"/>
+      </p:ext>
+    </p:extLst>
+  </p:cSld>
+  <p:clrMapOvr>
+    <a:masterClrMapping/>
+  </p:clrMapOvr>
+</p:notes>
+</file>
+
+<file path=ppt/notesSlides/notesSlide3.xml><?xml version="1.0" encoding="utf-8"?>
+<p:notes xmlns:a="http://schemas.openxmlformats.org/drawingml/2006/main" xmlns:r="http://schemas.openxmlformats.org/officeDocument/2006/relationships" xmlns:p="http://schemas.openxmlformats.org/presentationml/2006/main">
+  <p:cSld>
+    <p:spTree>
+      <p:nvGrpSpPr>
+        <p:cNvPr id="1" name=""/>
+        <p:cNvGrpSpPr/>
+        <p:nvPr/>
+      </p:nvGrpSpPr>
+      <p:grpSpPr>
+        <a:xfrm>
+          <a:off x="0" y="0"/>
+          <a:ext cx="0" cy="0"/>
+          <a:chOff x="0" y="0"/>
+          <a:chExt cx="0" cy="0"/>
+        </a:xfrm>
+      </p:grpSpPr>
+      <p:sp>
+        <p:nvSpPr>
+          <p:cNvPr id="2" name="Slide Image Placeholder 1"/>
+          <p:cNvSpPr>
+            <a:spLocks noGrp="1" noRot="1" noChangeAspect="1"/>
+          </p:cNvSpPr>
+          <p:nvPr>
+            <p:ph type="sldImg"/>
+          </p:nvPr>
+        </p:nvSpPr>
+        <p:spPr/>
+      </p:sp>
+      <p:sp>
+        <p:nvSpPr>
+          <p:cNvPr id="3" name="Notes Placeholder 2"/>
+          <p:cNvSpPr>
+            <a:spLocks noGrp="1"/>
+          </p:cNvSpPr>
+          <p:nvPr>
+            <p:ph type="body" idx="1"/>
+          </p:nvPr>
+        </p:nvSpPr>
+        <p:spPr/>
+        <p:txBody>
+          <a:bodyPr/>
+          <a:lstStyle/>
+          <a:p>
+            <a:r>
+              <a:rPr lang="en-US" dirty="0"/>
+              <a:t>Reproduces H1 column densities with any filling factor</a:t>
+            </a:r>
+          </a:p>
+        </p:txBody>
+      </p:sp>
+      <p:sp>
+        <p:nvSpPr>
+          <p:cNvPr id="4" name="Slide Number Placeholder 3"/>
+          <p:cNvSpPr>
+            <a:spLocks noGrp="1"/>
+          </p:cNvSpPr>
+          <p:nvPr>
+            <p:ph type="sldNum" sz="quarter" idx="5"/>
+          </p:nvPr>
+        </p:nvSpPr>
+        <p:spPr/>
+        <p:txBody>
+          <a:bodyPr/>
+          <a:lstStyle/>
+          <a:p>
+            <a:fld id="{2C602896-510C-4A38-BE41-020EB069CB93}" type="slidenum">
+              <a:rPr lang="en-US" smtClean="0"/>
+              <a:t>7</a:t>
+            </a:fld>
+            <a:endParaRPr lang="en-US"/>
+          </a:p>
+        </p:txBody>
+      </p:sp>
+    </p:spTree>
+    <p:extLst>
+      <p:ext uri="{BB962C8B-B14F-4D97-AF65-F5344CB8AC3E}">
+        <p14:creationId xmlns:p14="http://schemas.microsoft.com/office/powerpoint/2010/main" val="2317917801"/>
+      </p:ext>
+    </p:extLst>
+  </p:cSld>
+  <p:clrMapOvr>
+    <a:masterClrMapping/>
+  </p:clrMapOvr>
+</p:notes>
+</file>
+
+<file path=ppt/notesSlides/notesSlide4.xml><?xml version="1.0" encoding="utf-8"?>
+<p:notes xmlns:a="http://schemas.openxmlformats.org/drawingml/2006/main" xmlns:r="http://schemas.openxmlformats.org/officeDocument/2006/relationships" xmlns:p="http://schemas.openxmlformats.org/presentationml/2006/main">
+  <p:cSld>
+    <p:spTree>
+      <p:nvGrpSpPr>
+        <p:cNvPr id="1" name=""/>
+        <p:cNvGrpSpPr/>
+        <p:nvPr/>
+      </p:nvGrpSpPr>
+      <p:grpSpPr>
+        <a:xfrm>
+          <a:off x="0" y="0"/>
+          <a:ext cx="0" cy="0"/>
+          <a:chOff x="0" y="0"/>
+          <a:chExt cx="0" cy="0"/>
+        </a:xfrm>
+      </p:grpSpPr>
+      <p:sp>
+        <p:nvSpPr>
+          <p:cNvPr id="2" name="Slide Image Placeholder 1"/>
+          <p:cNvSpPr>
+            <a:spLocks noGrp="1" noRot="1" noChangeAspect="1"/>
+          </p:cNvSpPr>
+          <p:nvPr>
+            <p:ph type="sldImg"/>
+          </p:nvPr>
+        </p:nvSpPr>
+        <p:spPr/>
+      </p:sp>
+      <p:sp>
+        <p:nvSpPr>
+          <p:cNvPr id="3" name="Notes Placeholder 2"/>
+          <p:cNvSpPr>
+            <a:spLocks noGrp="1"/>
+          </p:cNvSpPr>
+          <p:nvPr>
+            <p:ph type="body" idx="1"/>
+          </p:nvPr>
+        </p:nvSpPr>
+        <p:spPr/>
+        <p:txBody>
+          <a:bodyPr/>
+          <a:lstStyle/>
+          <a:p>
+            <a:r>
+              <a:rPr lang="en-US" dirty="0"/>
+              <a:t>The black dashed contours show the masses that constitute fixed fractions of the halo cosmological baryon mass budget, given by </a:t>
+            </a:r>
+            <a:r>
+              <a:rPr lang="en-US" dirty="0" err="1"/>
+              <a:t>Mb,cosm</a:t>
+            </a:r>
+            <a:r>
+              <a:rPr lang="en-US" dirty="0"/>
+              <a:t> ≡ M200mΩb/Ωm = 0.158M200m (Planck Collaboration et al. 2016). </a:t>
+            </a:r>
+          </a:p>
+          <a:p>
+            <a:r>
+              <a:rPr lang="en-US" dirty="0"/>
+              <a:t>The thick line shows </a:t>
+            </a:r>
+            <a:r>
+              <a:rPr lang="en-US" dirty="0" err="1"/>
+              <a:t>McCGM</a:t>
+            </a:r>
+            <a:r>
+              <a:rPr lang="en-US" dirty="0"/>
+              <a:t> = </a:t>
+            </a:r>
+            <a:r>
+              <a:rPr lang="en-US" dirty="0" err="1"/>
+              <a:t>Mb,cosm</a:t>
+            </a:r>
+            <a:r>
+              <a:rPr lang="en-US" dirty="0"/>
+              <a:t>, and the thin lines are for 10% and 1% of </a:t>
+            </a:r>
+            <a:r>
+              <a:rPr lang="en-US" dirty="0" err="1"/>
+              <a:t>Mb,cosm</a:t>
+            </a:r>
+            <a:r>
+              <a:rPr lang="en-US" dirty="0"/>
+              <a:t>.</a:t>
+            </a:r>
+          </a:p>
+        </p:txBody>
+      </p:sp>
+      <p:sp>
+        <p:nvSpPr>
+          <p:cNvPr id="4" name="Slide Number Placeholder 3"/>
+          <p:cNvSpPr>
+            <a:spLocks noGrp="1"/>
+          </p:cNvSpPr>
+          <p:nvPr>
+            <p:ph type="sldNum" sz="quarter" idx="5"/>
+          </p:nvPr>
+        </p:nvSpPr>
+        <p:spPr/>
+        <p:txBody>
+          <a:bodyPr/>
+          <a:lstStyle/>
+          <a:p>
+            <a:fld id="{2C602896-510C-4A38-BE41-020EB069CB93}" type="slidenum">
+              <a:rPr lang="en-US" smtClean="0"/>
+              <a:t>8</a:t>
+            </a:fld>
+            <a:endParaRPr lang="en-US"/>
+          </a:p>
+        </p:txBody>
+      </p:sp>
+    </p:spTree>
+    <p:extLst>
+      <p:ext uri="{BB962C8B-B14F-4D97-AF65-F5344CB8AC3E}">
+        <p14:creationId xmlns:p14="http://schemas.microsoft.com/office/powerpoint/2010/main" val="1877156135"/>
+      </p:ext>
+    </p:extLst>
+  </p:cSld>
+  <p:clrMapOvr>
+    <a:masterClrMapping/>
+  </p:clrMapOvr>
+</p:notes>
+</file>
+
+<file path=ppt/notesSlides/notesSlide5.xml><?xml version="1.0" encoding="utf-8"?>
+<p:notes xmlns:a="http://schemas.openxmlformats.org/drawingml/2006/main" xmlns:r="http://schemas.openxmlformats.org/officeDocument/2006/relationships" xmlns:p="http://schemas.openxmlformats.org/presentationml/2006/main">
+  <p:cSld>
+    <p:spTree>
+      <p:nvGrpSpPr>
+        <p:cNvPr id="1" name=""/>
+        <p:cNvGrpSpPr/>
+        <p:nvPr/>
+      </p:nvGrpSpPr>
+      <p:grpSpPr>
+        <a:xfrm>
+          <a:off x="0" y="0"/>
+          <a:ext cx="0" cy="0"/>
+          <a:chOff x="0" y="0"/>
+          <a:chExt cx="0" cy="0"/>
+        </a:xfrm>
+      </p:grpSpPr>
+      <p:sp>
+        <p:nvSpPr>
+          <p:cNvPr id="2" name="Slide Image Placeholder 1"/>
+          <p:cNvSpPr>
+            <a:spLocks noGrp="1" noRot="1" noChangeAspect="1"/>
+          </p:cNvSpPr>
+          <p:nvPr>
+            <p:ph type="sldImg"/>
+          </p:nvPr>
+        </p:nvSpPr>
+        <p:spPr/>
+      </p:sp>
+      <p:sp>
+        <p:nvSpPr>
+          <p:cNvPr id="3" name="Notes Placeholder 2"/>
+          <p:cNvSpPr>
+            <a:spLocks noGrp="1"/>
+          </p:cNvSpPr>
+          <p:nvPr>
+            <p:ph type="body" idx="1"/>
+          </p:nvPr>
+        </p:nvSpPr>
+        <p:spPr/>
+        <p:txBody>
+          <a:bodyPr/>
+          <a:lstStyle/>
+          <a:p>
+            <a:r>
+              <a:rPr lang="en-US" baseline="30000" dirty="0"/>
+              <a:t>1</a:t>
+            </a:r>
+            <a:r>
+              <a:rPr lang="en-US" dirty="0"/>
+              <a:t>With specific criteria, columns of ∼ 1014 cm−2 may form in (</a:t>
+            </a:r>
+            <a:r>
+              <a:rPr lang="en-US" dirty="0" err="1"/>
+              <a:t>i</a:t>
+            </a:r>
+            <a:r>
+              <a:rPr lang="en-US" dirty="0"/>
+              <a:t>) extended IGM on a ∼ 1 Mpc scale, or (ii) in the warm/hot CGM at temperatures ≈ 3×105 K and densities of ∼ 10−4 cm−3.</a:t>
+            </a:r>
+          </a:p>
+        </p:txBody>
+      </p:sp>
+      <p:sp>
+        <p:nvSpPr>
+          <p:cNvPr id="4" name="Slide Number Placeholder 3"/>
+          <p:cNvSpPr>
+            <a:spLocks noGrp="1"/>
+          </p:cNvSpPr>
+          <p:nvPr>
+            <p:ph type="sldNum" sz="quarter" idx="5"/>
+          </p:nvPr>
+        </p:nvSpPr>
+        <p:spPr/>
+        <p:txBody>
+          <a:bodyPr/>
+          <a:lstStyle/>
+          <a:p>
+            <a:fld id="{2C602896-510C-4A38-BE41-020EB069CB93}" type="slidenum">
+              <a:rPr lang="en-US" smtClean="0"/>
+              <a:t>11</a:t>
+            </a:fld>
+            <a:endParaRPr lang="en-US"/>
+          </a:p>
+        </p:txBody>
+      </p:sp>
+    </p:spTree>
+    <p:extLst>
+      <p:ext uri="{BB962C8B-B14F-4D97-AF65-F5344CB8AC3E}">
+        <p14:creationId xmlns:p14="http://schemas.microsoft.com/office/powerpoint/2010/main" val="2371421767"/>
+      </p:ext>
+    </p:extLst>
+  </p:cSld>
+  <p:clrMapOvr>
+    <a:masterClrMapping/>
+  </p:clrMapOvr>
+</p:notes>
 </file>
 
 <file path=ppt/slideLayouts/slideLayout1.xml><?xml version="1.0" encoding="utf-8"?>
@@ -1025,404 +1887,6 @@
     <p:extLst>
       <p:ext uri="{BB962C8B-B14F-4D97-AF65-F5344CB8AC3E}">
         <p14:creationId xmlns:p14="http://schemas.microsoft.com/office/powerpoint/2010/main" val="1814365001"/>
-      </p:ext>
-    </p:extLst>
-  </p:cSld>
-  <p:clrMapOvr>
-    <a:masterClrMapping/>
-  </p:clrMapOvr>
-</p:sldLayout>
-</file>
-
-<file path=ppt/slideLayouts/slideLayout12.xml><?xml version="1.0" encoding="utf-8"?>
-<p:sldLayout xmlns:a="http://schemas.openxmlformats.org/drawingml/2006/main" xmlns:r="http://schemas.openxmlformats.org/officeDocument/2006/relationships" xmlns:p="http://schemas.openxmlformats.org/presentationml/2006/main" type="obj">
-  <p:cSld name="Title, Content">
-    <p:spTree>
-      <p:nvGrpSpPr>
-        <p:cNvPr id="1" name=""/>
-        <p:cNvGrpSpPr/>
-        <p:nvPr/>
-      </p:nvGrpSpPr>
-      <p:grpSpPr>
-        <a:xfrm>
-          <a:off x="0" y="0"/>
-          <a:ext cx="0" cy="0"/>
-          <a:chOff x="0" y="0"/>
-          <a:chExt cx="0" cy="0"/>
-        </a:xfrm>
-      </p:grpSpPr>
-      <p:sp>
-        <p:nvSpPr>
-          <p:cNvPr id="7" name="PlaceHolder 1"/>
-          <p:cNvSpPr>
-            <a:spLocks noGrp="1"/>
-          </p:cNvSpPr>
-          <p:nvPr>
-            <p:ph type="title"/>
-          </p:nvPr>
-        </p:nvSpPr>
-        <p:spPr>
-          <a:xfrm>
-            <a:off x="504000" y="226080"/>
-            <a:ext cx="9071640" cy="946440"/>
-          </a:xfrm>
-          <a:prstGeom prst="rect">
-            <a:avLst/>
-          </a:prstGeom>
-          <a:noFill/>
-          <a:ln w="0">
-            <a:noFill/>
-          </a:ln>
-        </p:spPr>
-        <p:txBody>
-          <a:bodyPr lIns="0" tIns="0" rIns="0" bIns="0" anchor="ctr">
-            <a:noAutofit/>
-          </a:bodyPr>
-          <a:lstStyle/>
-          <a:p>
-            <a:pPr indent="0" algn="ctr">
-              <a:buNone/>
-            </a:pPr>
-            <a:endParaRPr lang="en-US" sz="4400" b="0" strike="noStrike" spc="-1">
-              <a:solidFill>
-                <a:srgbClr val="000000"/>
-              </a:solidFill>
-              <a:latin typeface="Arial"/>
-            </a:endParaRPr>
-          </a:p>
-        </p:txBody>
-      </p:sp>
-      <p:sp>
-        <p:nvSpPr>
-          <p:cNvPr id="8" name="PlaceHolder 2"/>
-          <p:cNvSpPr>
-            <a:spLocks noGrp="1"/>
-          </p:cNvSpPr>
-          <p:nvPr>
-            <p:ph/>
-          </p:nvPr>
-        </p:nvSpPr>
-        <p:spPr>
-          <a:xfrm>
-            <a:off x="504000" y="1326600"/>
-            <a:ext cx="9071640" cy="3288240"/>
-          </a:xfrm>
-          <a:prstGeom prst="rect">
-            <a:avLst/>
-          </a:prstGeom>
-          <a:noFill/>
-          <a:ln w="0">
-            <a:noFill/>
-          </a:ln>
-        </p:spPr>
-        <p:txBody>
-          <a:bodyPr lIns="0" tIns="0" rIns="0" bIns="0" anchor="t">
-            <a:normAutofit/>
-          </a:bodyPr>
-          <a:lstStyle/>
-          <a:p>
-            <a:pPr indent="0">
-              <a:spcBef>
-                <a:spcPts val="1417"/>
-              </a:spcBef>
-              <a:buNone/>
-            </a:pPr>
-            <a:endParaRPr lang="en-US" sz="3200" b="0" strike="noStrike" spc="-1">
-              <a:solidFill>
-                <a:srgbClr val="000000"/>
-              </a:solidFill>
-              <a:latin typeface="Arial"/>
-            </a:endParaRPr>
-          </a:p>
-        </p:txBody>
-      </p:sp>
-      <p:sp>
-        <p:nvSpPr>
-          <p:cNvPr id="4" name="PlaceHolder 3"/>
-          <p:cNvSpPr>
-            <a:spLocks noGrp="1"/>
-          </p:cNvSpPr>
-          <p:nvPr>
-            <p:ph type="ftr" idx="2"/>
-          </p:nvPr>
-        </p:nvSpPr>
-        <p:spPr/>
-        <p:txBody>
-          <a:bodyPr/>
-          <a:lstStyle/>
-          <a:p>
-            <a:r>
-              <a:t>Footer</a:t>
-            </a:r>
-          </a:p>
-        </p:txBody>
-      </p:sp>
-      <p:sp>
-        <p:nvSpPr>
-          <p:cNvPr id="5" name="PlaceHolder 4"/>
-          <p:cNvSpPr>
-            <a:spLocks noGrp="1"/>
-          </p:cNvSpPr>
-          <p:nvPr>
-            <p:ph type="sldNum" idx="3"/>
-          </p:nvPr>
-        </p:nvSpPr>
-        <p:spPr/>
-        <p:txBody>
-          <a:bodyPr/>
-          <a:lstStyle/>
-          <a:p>
-            <a:fld id="{D8F3060C-2142-440A-A337-29F31CDCD668}" type="slidenum">
-              <a:t>‹#›</a:t>
-            </a:fld>
-            <a:endParaRPr/>
-          </a:p>
-        </p:txBody>
-      </p:sp>
-      <p:sp>
-        <p:nvSpPr>
-          <p:cNvPr id="6" name="PlaceHolder 5"/>
-          <p:cNvSpPr>
-            <a:spLocks noGrp="1"/>
-          </p:cNvSpPr>
-          <p:nvPr>
-            <p:ph type="dt" idx="1"/>
-          </p:nvPr>
-        </p:nvSpPr>
-        <p:spPr/>
-        <p:txBody>
-          <a:bodyPr/>
-          <a:lstStyle/>
-          <a:p>
-            <a:endParaRPr/>
-          </a:p>
-        </p:txBody>
-      </p:sp>
-    </p:spTree>
-    <p:extLst>
-      <p:ext uri="{BB962C8B-B14F-4D97-AF65-F5344CB8AC3E}">
-        <p14:creationId xmlns:p14="http://schemas.microsoft.com/office/powerpoint/2010/main" val="47874450"/>
-      </p:ext>
-    </p:extLst>
-  </p:cSld>
-  <p:clrMapOvr>
-    <a:masterClrMapping/>
-  </p:clrMapOvr>
-</p:sldLayout>
-</file>
-
-<file path=ppt/slideLayouts/slideLayout13.xml><?xml version="1.0" encoding="utf-8"?>
-<p:sldLayout xmlns:a="http://schemas.openxmlformats.org/drawingml/2006/main" xmlns:r="http://schemas.openxmlformats.org/officeDocument/2006/relationships" xmlns:p="http://schemas.openxmlformats.org/presentationml/2006/main" type="twoObj">
-  <p:cSld name="Title, 2 Content">
-    <p:spTree>
-      <p:nvGrpSpPr>
-        <p:cNvPr id="1" name=""/>
-        <p:cNvGrpSpPr/>
-        <p:nvPr/>
-      </p:nvGrpSpPr>
-      <p:grpSpPr>
-        <a:xfrm>
-          <a:off x="0" y="0"/>
-          <a:ext cx="0" cy="0"/>
-          <a:chOff x="0" y="0"/>
-          <a:chExt cx="0" cy="0"/>
-        </a:xfrm>
-      </p:grpSpPr>
-      <p:sp>
-        <p:nvSpPr>
-          <p:cNvPr id="9" name="PlaceHolder 1"/>
-          <p:cNvSpPr>
-            <a:spLocks noGrp="1"/>
-          </p:cNvSpPr>
-          <p:nvPr>
-            <p:ph type="title"/>
-          </p:nvPr>
-        </p:nvSpPr>
-        <p:spPr>
-          <a:xfrm>
-            <a:off x="504000" y="226080"/>
-            <a:ext cx="9071640" cy="946440"/>
-          </a:xfrm>
-          <a:prstGeom prst="rect">
-            <a:avLst/>
-          </a:prstGeom>
-          <a:noFill/>
-          <a:ln w="0">
-            <a:noFill/>
-          </a:ln>
-        </p:spPr>
-        <p:txBody>
-          <a:bodyPr lIns="0" tIns="0" rIns="0" bIns="0" anchor="ctr">
-            <a:noAutofit/>
-          </a:bodyPr>
-          <a:lstStyle/>
-          <a:p>
-            <a:pPr indent="0" algn="ctr">
-              <a:buNone/>
-            </a:pPr>
-            <a:endParaRPr lang="en-US" sz="4400" b="0" strike="noStrike" spc="-1">
-              <a:solidFill>
-                <a:srgbClr val="000000"/>
-              </a:solidFill>
-              <a:latin typeface="Arial"/>
-            </a:endParaRPr>
-          </a:p>
-        </p:txBody>
-      </p:sp>
-      <p:sp>
-        <p:nvSpPr>
-          <p:cNvPr id="10" name="PlaceHolder 2"/>
-          <p:cNvSpPr>
-            <a:spLocks noGrp="1"/>
-          </p:cNvSpPr>
-          <p:nvPr>
-            <p:ph/>
-          </p:nvPr>
-        </p:nvSpPr>
-        <p:spPr>
-          <a:xfrm>
-            <a:off x="504000" y="1326600"/>
-            <a:ext cx="4426920" cy="3288240"/>
-          </a:xfrm>
-          <a:prstGeom prst="rect">
-            <a:avLst/>
-          </a:prstGeom>
-          <a:noFill/>
-          <a:ln w="0">
-            <a:noFill/>
-          </a:ln>
-        </p:spPr>
-        <p:txBody>
-          <a:bodyPr lIns="0" tIns="0" rIns="0" bIns="0" anchor="t">
-            <a:normAutofit/>
-          </a:bodyPr>
-          <a:lstStyle/>
-          <a:p>
-            <a:pPr indent="0">
-              <a:spcBef>
-                <a:spcPts val="1417"/>
-              </a:spcBef>
-              <a:buNone/>
-            </a:pPr>
-            <a:endParaRPr lang="en-US" sz="3200" b="0" strike="noStrike" spc="-1">
-              <a:solidFill>
-                <a:srgbClr val="000000"/>
-              </a:solidFill>
-              <a:latin typeface="Arial"/>
-            </a:endParaRPr>
-          </a:p>
-        </p:txBody>
-      </p:sp>
-      <p:sp>
-        <p:nvSpPr>
-          <p:cNvPr id="11" name="PlaceHolder 3"/>
-          <p:cNvSpPr>
-            <a:spLocks noGrp="1"/>
-          </p:cNvSpPr>
-          <p:nvPr>
-            <p:ph/>
-          </p:nvPr>
-        </p:nvSpPr>
-        <p:spPr>
-          <a:xfrm>
-            <a:off x="5152680" y="1326600"/>
-            <a:ext cx="4426920" cy="3288240"/>
-          </a:xfrm>
-          <a:prstGeom prst="rect">
-            <a:avLst/>
-          </a:prstGeom>
-          <a:noFill/>
-          <a:ln w="0">
-            <a:noFill/>
-          </a:ln>
-        </p:spPr>
-        <p:txBody>
-          <a:bodyPr lIns="0" tIns="0" rIns="0" bIns="0" anchor="t">
-            <a:normAutofit/>
-          </a:bodyPr>
-          <a:lstStyle/>
-          <a:p>
-            <a:pPr indent="0">
-              <a:spcBef>
-                <a:spcPts val="1417"/>
-              </a:spcBef>
-              <a:buNone/>
-            </a:pPr>
-            <a:endParaRPr lang="en-US" sz="3200" b="0" strike="noStrike" spc="-1">
-              <a:solidFill>
-                <a:srgbClr val="000000"/>
-              </a:solidFill>
-              <a:latin typeface="Arial"/>
-            </a:endParaRPr>
-          </a:p>
-        </p:txBody>
-      </p:sp>
-      <p:sp>
-        <p:nvSpPr>
-          <p:cNvPr id="5" name="PlaceHolder 4"/>
-          <p:cNvSpPr>
-            <a:spLocks noGrp="1"/>
-          </p:cNvSpPr>
-          <p:nvPr>
-            <p:ph type="ftr" idx="2"/>
-          </p:nvPr>
-        </p:nvSpPr>
-        <p:spPr/>
-        <p:txBody>
-          <a:bodyPr/>
-          <a:lstStyle/>
-          <a:p>
-            <a:r>
-              <a:t>Footer</a:t>
-            </a:r>
-          </a:p>
-        </p:txBody>
-      </p:sp>
-      <p:sp>
-        <p:nvSpPr>
-          <p:cNvPr id="6" name="PlaceHolder 5"/>
-          <p:cNvSpPr>
-            <a:spLocks noGrp="1"/>
-          </p:cNvSpPr>
-          <p:nvPr>
-            <p:ph type="sldNum" idx="3"/>
-          </p:nvPr>
-        </p:nvSpPr>
-        <p:spPr/>
-        <p:txBody>
-          <a:bodyPr/>
-          <a:lstStyle/>
-          <a:p>
-            <a:fld id="{EC05FC33-F531-4179-B029-C7C37A5F4270}" type="slidenum">
-              <a:t>‹#›</a:t>
-            </a:fld>
-            <a:endParaRPr/>
-          </a:p>
-        </p:txBody>
-      </p:sp>
-      <p:sp>
-        <p:nvSpPr>
-          <p:cNvPr id="7" name="PlaceHolder 6"/>
-          <p:cNvSpPr>
-            <a:spLocks noGrp="1"/>
-          </p:cNvSpPr>
-          <p:nvPr>
-            <p:ph type="dt" idx="1"/>
-          </p:nvPr>
-        </p:nvSpPr>
-        <p:spPr/>
-        <p:txBody>
-          <a:bodyPr/>
-          <a:lstStyle/>
-          <a:p>
-            <a:endParaRPr/>
-          </a:p>
-        </p:txBody>
-      </p:sp>
-    </p:spTree>
-    <p:extLst>
-      <p:ext uri="{BB962C8B-B14F-4D97-AF65-F5344CB8AC3E}">
-        <p14:creationId xmlns:p14="http://schemas.microsoft.com/office/powerpoint/2010/main" val="3358029295"/>
       </p:ext>
     </p:extLst>
   </p:cSld>
@@ -4214,8 +4678,6 @@
     <p:sldLayoutId id="2147483670" r:id="rId9"/>
     <p:sldLayoutId id="2147483671" r:id="rId10"/>
     <p:sldLayoutId id="2147483672" r:id="rId11"/>
-    <p:sldLayoutId id="2147483674" r:id="rId12"/>
-    <p:sldLayoutId id="2147483675" r:id="rId13"/>
   </p:sldLayoutIdLst>
   <p:txStyles>
     <p:titleStyle>
@@ -4704,7 +5166,13 @@
   <p:cSld>
     <p:spTree>
       <p:nvGrpSpPr>
-        <p:cNvPr id="1" name=""/>
+        <p:cNvPr id="1" name="">
+          <a:extLst>
+            <a:ext uri="{FF2B5EF4-FFF2-40B4-BE49-F238E27FC236}">
+              <a16:creationId xmlns:a16="http://schemas.microsoft.com/office/drawing/2014/main" id="{47F2EBF0-2095-5953-5B71-F7C972792B8F}"/>
+            </a:ext>
+          </a:extLst>
+        </p:cNvPr>
         <p:cNvGrpSpPr/>
         <p:nvPr/>
       </p:nvGrpSpPr>
@@ -4718,130 +5186,184 @@
       </p:grpSpPr>
       <p:sp>
         <p:nvSpPr>
-          <p:cNvPr id="59" name="PlaceHolder 2"/>
-          <p:cNvSpPr>
-            <a:spLocks noGrp="1"/>
-          </p:cNvSpPr>
-          <p:nvPr>
-            <p:ph/>
-          </p:nvPr>
-        </p:nvSpPr>
+          <p:cNvPr id="5" name="Title 4">
+            <a:extLst>
+              <a:ext uri="{FF2B5EF4-FFF2-40B4-BE49-F238E27FC236}">
+                <a16:creationId xmlns:a16="http://schemas.microsoft.com/office/drawing/2014/main" id="{1FABF42A-FE2E-210A-C5F0-F784D48D8147}"/>
+              </a:ext>
+            </a:extLst>
+          </p:cNvPr>
+          <p:cNvSpPr>
+            <a:spLocks noGrp="1"/>
+          </p:cNvSpPr>
+          <p:nvPr>
+            <p:ph type="title"/>
+          </p:nvPr>
+        </p:nvSpPr>
+        <p:spPr/>
+        <p:txBody>
+          <a:bodyPr/>
+          <a:lstStyle/>
+          <a:p>
+            <a:r>
+              <a:rPr lang="en-US" dirty="0"/>
+              <a:t>Comparison to massive halos</a:t>
+            </a:r>
+          </a:p>
+        </p:txBody>
+      </p:sp>
+      <p:sp>
+        <p:nvSpPr>
+          <p:cNvPr id="6" name="Text Placeholder 5">
+            <a:extLst>
+              <a:ext uri="{FF2B5EF4-FFF2-40B4-BE49-F238E27FC236}">
+                <a16:creationId xmlns:a16="http://schemas.microsoft.com/office/drawing/2014/main" id="{86417B22-019E-5C3B-D2E3-632B66A2EF9E}"/>
+              </a:ext>
+            </a:extLst>
+          </p:cNvPr>
+          <p:cNvSpPr>
+            <a:spLocks noGrp="1"/>
+          </p:cNvSpPr>
+          <p:nvPr>
+            <p:ph type="body" idx="1"/>
+          </p:nvPr>
+        </p:nvSpPr>
+        <p:spPr/>
+        <p:txBody>
+          <a:bodyPr/>
+          <a:lstStyle/>
+          <a:p>
+            <a:r>
+              <a:rPr lang="en-US" dirty="0"/>
+              <a:t>Studies</a:t>
+            </a:r>
+          </a:p>
+        </p:txBody>
+      </p:sp>
+      <p:sp>
+        <p:nvSpPr>
+          <p:cNvPr id="8" name="Text Placeholder 7">
+            <a:extLst>
+              <a:ext uri="{FF2B5EF4-FFF2-40B4-BE49-F238E27FC236}">
+                <a16:creationId xmlns:a16="http://schemas.microsoft.com/office/drawing/2014/main" id="{521C1ED9-607D-E457-ADCC-A0A302641F7F}"/>
+              </a:ext>
+            </a:extLst>
+          </p:cNvPr>
+          <p:cNvSpPr>
+            <a:spLocks noGrp="1"/>
+          </p:cNvSpPr>
+          <p:nvPr>
+            <p:ph type="body" sz="quarter" idx="3"/>
+          </p:nvPr>
+        </p:nvSpPr>
+        <p:spPr/>
+        <p:txBody>
+          <a:bodyPr/>
+          <a:lstStyle/>
+          <a:p>
+            <a:r>
+              <a:rPr lang="en-US" dirty="0"/>
+              <a:t>Results</a:t>
+            </a:r>
+          </a:p>
+        </p:txBody>
+      </p:sp>
+      <p:sp>
+        <p:nvSpPr>
+          <p:cNvPr id="9" name="Content Placeholder 8">
+            <a:extLst>
+              <a:ext uri="{FF2B5EF4-FFF2-40B4-BE49-F238E27FC236}">
+                <a16:creationId xmlns:a16="http://schemas.microsoft.com/office/drawing/2014/main" id="{5732B22F-3C23-9C94-EA44-F2A1FF311858}"/>
+              </a:ext>
+            </a:extLst>
+          </p:cNvPr>
+          <p:cNvSpPr>
+            <a:spLocks noGrp="1"/>
+          </p:cNvSpPr>
+          <p:nvPr>
+            <p:ph sz="quarter" idx="4"/>
+          </p:nvPr>
+        </p:nvSpPr>
+        <p:spPr/>
+        <p:txBody>
+          <a:bodyPr/>
+          <a:lstStyle/>
+          <a:p>
+            <a:r>
+              <a:rPr lang="en-US" dirty="0"/>
+              <a:t>Upper limit (volume filling)</a:t>
+            </a:r>
+          </a:p>
+          <a:p>
+            <a:pPr lvl="1"/>
+            <a:r>
+              <a:rPr lang="en-US" dirty="0"/>
+              <a:t>Cool gas baryon fraction constant across three order of halo mass</a:t>
+            </a:r>
+          </a:p>
+          <a:p>
+            <a:pPr lvl="1"/>
+            <a:r>
+              <a:rPr lang="en-US" dirty="0"/>
+              <a:t>f~1-10%</a:t>
+            </a:r>
+          </a:p>
+          <a:p>
+            <a:r>
+              <a:rPr lang="en-US" dirty="0"/>
+              <a:t>Lower limits (clumpy model)</a:t>
+            </a:r>
+          </a:p>
+          <a:p>
+            <a:pPr lvl="1"/>
+            <a:r>
+              <a:rPr lang="en-US" dirty="0"/>
+              <a:t>Significant cool gas baryon fraction variations</a:t>
+            </a:r>
+          </a:p>
+          <a:p>
+            <a:r>
+              <a:rPr lang="en-US" dirty="0"/>
+              <a:t>Different methods and samples make comparison highly uncertain</a:t>
+            </a:r>
+          </a:p>
+        </p:txBody>
+      </p:sp>
+      <p:pic>
+        <p:nvPicPr>
+          <p:cNvPr id="2" name="Picture 1">
+            <a:extLst>
+              <a:ext uri="{FF2B5EF4-FFF2-40B4-BE49-F238E27FC236}">
+                <a16:creationId xmlns:a16="http://schemas.microsoft.com/office/drawing/2014/main" id="{6C8C936C-0691-AF57-2D7A-C5A39DEBCE95}"/>
+              </a:ext>
+            </a:extLst>
+          </p:cNvPr>
+          <p:cNvPicPr>
+            <a:picLocks noChangeAspect="1"/>
+          </p:cNvPicPr>
+          <p:nvPr/>
+        </p:nvPicPr>
+        <p:blipFill>
+          <a:blip r:embed="rId2"/>
+          <a:srcRect l="2262" t="2259" r="1796" b="30210"/>
+          <a:stretch/>
+        </p:blipFill>
         <p:spPr>
           <a:xfrm>
-            <a:off x="504000" y="1326600"/>
-            <a:ext cx="4426920" cy="3288240"/>
+            <a:off x="829094" y="1648277"/>
+            <a:ext cx="3953077" cy="3798107"/>
           </a:xfrm>
           <a:prstGeom prst="rect">
             <a:avLst/>
           </a:prstGeom>
-          <a:noFill/>
-          <a:ln w="0">
-            <a:noFill/>
-          </a:ln>
         </p:spPr>
-        <p:txBody>
-          <a:bodyPr lIns="0" tIns="0" rIns="0" bIns="0" anchor="t">
-            <a:normAutofit/>
-          </a:bodyPr>
-          <a:lstStyle/>
-          <a:p>
-            <a:pPr indent="0">
-              <a:spcBef>
-                <a:spcPts val="1417"/>
-              </a:spcBef>
-              <a:buNone/>
-            </a:pPr>
-            <a:endParaRPr lang="en-US" sz="3200" b="0" strike="noStrike" spc="-1">
-              <a:solidFill>
-                <a:srgbClr val="000000"/>
-              </a:solidFill>
-              <a:latin typeface="Arial"/>
-            </a:endParaRPr>
-          </a:p>
-        </p:txBody>
-      </p:sp>
-      <p:sp>
-        <p:nvSpPr>
-          <p:cNvPr id="60" name="PlaceHolder 3"/>
-          <p:cNvSpPr>
-            <a:spLocks noGrp="1"/>
-          </p:cNvSpPr>
-          <p:nvPr>
-            <p:ph/>
-          </p:nvPr>
-        </p:nvSpPr>
-        <p:spPr>
-          <a:xfrm>
-            <a:off x="5152680" y="1326600"/>
-            <a:ext cx="4426920" cy="3288240"/>
-          </a:xfrm>
-          <a:prstGeom prst="rect">
-            <a:avLst/>
-          </a:prstGeom>
-          <a:noFill/>
-          <a:ln w="0">
-            <a:noFill/>
-          </a:ln>
-        </p:spPr>
-        <p:txBody>
-          <a:bodyPr lIns="0" tIns="0" rIns="0" bIns="0" anchor="t">
-            <a:normAutofit/>
-          </a:bodyPr>
-          <a:lstStyle/>
-          <a:p>
-            <a:pPr indent="0">
-              <a:spcBef>
-                <a:spcPts val="1417"/>
-              </a:spcBef>
-              <a:buNone/>
-            </a:pPr>
-            <a:endParaRPr lang="en-US" sz="3200" b="0" strike="noStrike" spc="-1">
-              <a:solidFill>
-                <a:srgbClr val="000000"/>
-              </a:solidFill>
-              <a:latin typeface="Arial"/>
-            </a:endParaRPr>
-          </a:p>
-        </p:txBody>
-      </p:sp>
-      <p:sp>
-        <p:nvSpPr>
-          <p:cNvPr id="58" name="PlaceHolder 1"/>
-          <p:cNvSpPr>
-            <a:spLocks noGrp="1"/>
-          </p:cNvSpPr>
-          <p:nvPr>
-            <p:ph type="title"/>
-          </p:nvPr>
-        </p:nvSpPr>
-        <p:spPr>
-          <a:prstGeom prst="rect">
-            <a:avLst/>
-          </a:prstGeom>
-          <a:noFill/>
-          <a:ln w="0">
-            <a:noFill/>
-          </a:ln>
-        </p:spPr>
-        <p:txBody>
-          <a:bodyPr lIns="0" tIns="0" rIns="0" bIns="0" anchor="ctr">
-            <a:noAutofit/>
-          </a:bodyPr>
-          <a:lstStyle/>
-          <a:p>
-            <a:pPr indent="0" algn="ctr">
-              <a:buNone/>
-            </a:pPr>
-            <a:endParaRPr lang="en-US" sz="4400" b="0" strike="noStrike" spc="-1">
-              <a:solidFill>
-                <a:srgbClr val="000000"/>
-              </a:solidFill>
-              <a:latin typeface="Arial"/>
-            </a:endParaRPr>
-          </a:p>
-        </p:txBody>
-      </p:sp>
+      </p:pic>
     </p:spTree>
+    <p:extLst>
+      <p:ext uri="{BB962C8B-B14F-4D97-AF65-F5344CB8AC3E}">
+        <p14:creationId xmlns:p14="http://schemas.microsoft.com/office/powerpoint/2010/main" val="1018169985"/>
+      </p:ext>
+    </p:extLst>
   </p:cSld>
   <p:clrMapOvr>
     <a:masterClrMapping/>
@@ -4868,59 +5390,596 @@
       </p:grpSpPr>
       <p:sp>
         <p:nvSpPr>
-          <p:cNvPr id="62" name="PlaceHolder 2"/>
-          <p:cNvSpPr>
-            <a:spLocks noGrp="1"/>
-          </p:cNvSpPr>
-          <p:nvPr>
-            <p:ph/>
-          </p:nvPr>
-        </p:nvSpPr>
+          <p:cNvPr id="2" name="Title 1">
+            <a:extLst>
+              <a:ext uri="{FF2B5EF4-FFF2-40B4-BE49-F238E27FC236}">
+                <a16:creationId xmlns:a16="http://schemas.microsoft.com/office/drawing/2014/main" id="{78652FEF-2FA3-68C2-4A33-1BC5BF67A301}"/>
+              </a:ext>
+            </a:extLst>
+          </p:cNvPr>
+          <p:cNvSpPr>
+            <a:spLocks noGrp="1"/>
+          </p:cNvSpPr>
+          <p:nvPr>
+            <p:ph type="title"/>
+          </p:nvPr>
+        </p:nvSpPr>
+        <p:spPr/>
+        <p:txBody>
+          <a:bodyPr/>
+          <a:lstStyle/>
+          <a:p>
+            <a:r>
+              <a:rPr lang="en-US" dirty="0"/>
+              <a:t>Bigger picture</a:t>
+            </a:r>
+          </a:p>
+        </p:txBody>
+      </p:sp>
+      <p:sp>
+        <p:nvSpPr>
+          <p:cNvPr id="3" name="Content Placeholder 2">
+            <a:extLst>
+              <a:ext uri="{FF2B5EF4-FFF2-40B4-BE49-F238E27FC236}">
+                <a16:creationId xmlns:a16="http://schemas.microsoft.com/office/drawing/2014/main" id="{31E0EE98-D507-DD0F-58F7-40DFB02D78AF}"/>
+              </a:ext>
+            </a:extLst>
+          </p:cNvPr>
+          <p:cNvSpPr>
+            <a:spLocks noGrp="1"/>
+          </p:cNvSpPr>
+          <p:nvPr>
+            <p:ph sz="half" idx="1"/>
+          </p:nvPr>
+        </p:nvSpPr>
+        <p:spPr/>
+        <p:txBody>
+          <a:bodyPr>
+            <a:normAutofit/>
+          </a:bodyPr>
+          <a:lstStyle/>
+          <a:p>
+            <a:r>
+              <a:rPr lang="en-US" dirty="0"/>
+              <a:t>CGM thermal pressure equilibrium</a:t>
+            </a:r>
+          </a:p>
+          <a:p>
+            <a:pPr lvl="1"/>
+            <a:r>
+              <a:rPr lang="en-US" dirty="0"/>
+              <a:t>Need cool CGM filling factor &lt;1</a:t>
+            </a:r>
+          </a:p>
+          <a:p>
+            <a:r>
+              <a:rPr lang="en-US" dirty="0"/>
+              <a:t>Additional 85% of baryons</a:t>
+            </a:r>
+          </a:p>
+          <a:p>
+            <a:pPr lvl="1"/>
+            <a:r>
+              <a:rPr lang="en-US" dirty="0"/>
+              <a:t>In warm/hot volume filling CGM?</a:t>
+            </a:r>
+          </a:p>
+          <a:p>
+            <a:pPr lvl="1"/>
+            <a:r>
+              <a:rPr lang="en-US" dirty="0"/>
+              <a:t>Baryons escaped into IGM?</a:t>
+            </a:r>
+          </a:p>
+          <a:p>
+            <a:r>
+              <a:rPr lang="en-US" dirty="0"/>
+              <a:t>Dwarf galaxy SFR and accretion rates</a:t>
+            </a:r>
+          </a:p>
+          <a:p>
+            <a:pPr lvl="1"/>
+            <a:r>
+              <a:rPr lang="en-US" dirty="0"/>
+              <a:t>Inferred accretion rates similar to SFR if f&lt;1</a:t>
+            </a:r>
+          </a:p>
+          <a:p>
+            <a:pPr lvl="2"/>
+            <a:r>
+              <a:rPr lang="en-US" dirty="0"/>
+              <a:t>Inefficient process, lots of play in upper limit</a:t>
+            </a:r>
+          </a:p>
+          <a:p>
+            <a:pPr lvl="1"/>
+            <a:r>
+              <a:rPr lang="en-US" dirty="0"/>
+              <a:t>Continued SF for &gt;1 Gyr</a:t>
+            </a:r>
+          </a:p>
+        </p:txBody>
+      </p:sp>
+      <p:sp>
+        <p:nvSpPr>
+          <p:cNvPr id="4" name="Content Placeholder 3">
+            <a:extLst>
+              <a:ext uri="{FF2B5EF4-FFF2-40B4-BE49-F238E27FC236}">
+                <a16:creationId xmlns:a16="http://schemas.microsoft.com/office/drawing/2014/main" id="{2589AF40-30F9-52BD-6070-BD7DB7054DBD}"/>
+              </a:ext>
+            </a:extLst>
+          </p:cNvPr>
+          <p:cNvSpPr>
+            <a:spLocks noGrp="1"/>
+          </p:cNvSpPr>
+          <p:nvPr>
+            <p:ph sz="half" idx="2"/>
+          </p:nvPr>
+        </p:nvSpPr>
+        <p:spPr/>
+        <p:txBody>
+          <a:bodyPr>
+            <a:normAutofit/>
+          </a:bodyPr>
+          <a:lstStyle/>
+          <a:p>
+            <a:r>
+              <a:rPr lang="en-US" dirty="0"/>
+              <a:t>CGM Evolution</a:t>
+            </a:r>
+          </a:p>
+          <a:p>
+            <a:pPr lvl="1"/>
+            <a:r>
+              <a:rPr lang="en-US" dirty="0"/>
+              <a:t>No change across small redshift sample</a:t>
+            </a:r>
+          </a:p>
+          <a:p>
+            <a:pPr lvl="1"/>
+            <a:r>
+              <a:rPr lang="en-US" dirty="0"/>
+              <a:t>Redshift of 0.1 implies 30% larger mass</a:t>
+            </a:r>
+          </a:p>
+          <a:p>
+            <a:r>
+              <a:rPr lang="en-US" dirty="0"/>
+              <a:t>Cool CGM metallicity</a:t>
+            </a:r>
+          </a:p>
+          <a:p>
+            <a:pPr lvl="1"/>
+            <a:r>
+              <a:rPr lang="en-US" dirty="0"/>
+              <a:t>No strong constraints (± 0.5 </a:t>
+            </a:r>
+            <a:r>
+              <a:rPr lang="en-US" dirty="0" err="1"/>
+              <a:t>dex</a:t>
+            </a:r>
+            <a:r>
+              <a:rPr lang="en-US" dirty="0"/>
+              <a:t>)</a:t>
+            </a:r>
+          </a:p>
+          <a:p>
+            <a:pPr lvl="1"/>
+            <a:r>
+              <a:rPr lang="en-US" dirty="0"/>
+              <a:t>Less than 10% change in gas mass with 1 </a:t>
+            </a:r>
+            <a:r>
+              <a:rPr lang="en-US" dirty="0" err="1"/>
+              <a:t>dex</a:t>
+            </a:r>
+            <a:r>
+              <a:rPr lang="en-US" dirty="0"/>
+              <a:t> variation</a:t>
+            </a:r>
+          </a:p>
+          <a:p>
+            <a:r>
+              <a:rPr lang="en-US" dirty="0"/>
+              <a:t>Contributions outside CGM</a:t>
+            </a:r>
+          </a:p>
+          <a:p>
+            <a:pPr lvl="1"/>
+            <a:r>
+              <a:rPr lang="en-US" dirty="0"/>
+              <a:t>Non-negligible contributions</a:t>
+            </a:r>
+            <a:r>
+              <a:rPr lang="en-US" baseline="30000" dirty="0"/>
+              <a:t>1</a:t>
+            </a:r>
+          </a:p>
+        </p:txBody>
+      </p:sp>
+    </p:spTree>
+    <p:extLst>
+      <p:ext uri="{BB962C8B-B14F-4D97-AF65-F5344CB8AC3E}">
+        <p14:creationId xmlns:p14="http://schemas.microsoft.com/office/powerpoint/2010/main" val="1721868766"/>
+      </p:ext>
+    </p:extLst>
+  </p:cSld>
+  <p:clrMapOvr>
+    <a:masterClrMapping/>
+  </p:clrMapOvr>
+</p:sld>
+</file>
+
+<file path=ppt/slides/slide12.xml><?xml version="1.0" encoding="utf-8"?>
+<p:sld xmlns:a="http://schemas.openxmlformats.org/drawingml/2006/main" xmlns:r="http://schemas.openxmlformats.org/officeDocument/2006/relationships" xmlns:p="http://schemas.openxmlformats.org/presentationml/2006/main">
+  <p:cSld>
+    <p:spTree>
+      <p:nvGrpSpPr>
+        <p:cNvPr id="1" name=""/>
+        <p:cNvGrpSpPr/>
+        <p:nvPr/>
+      </p:nvGrpSpPr>
+      <p:grpSpPr>
+        <a:xfrm>
+          <a:off x="0" y="0"/>
+          <a:ext cx="0" cy="0"/>
+          <a:chOff x="0" y="0"/>
+          <a:chExt cx="0" cy="0"/>
+        </a:xfrm>
+      </p:grpSpPr>
+      <p:sp>
+        <p:nvSpPr>
+          <p:cNvPr id="2" name="Title 1">
+            <a:extLst>
+              <a:ext uri="{FF2B5EF4-FFF2-40B4-BE49-F238E27FC236}">
+                <a16:creationId xmlns:a16="http://schemas.microsoft.com/office/drawing/2014/main" id="{48F31B60-1186-4EEE-CC65-5AB7190DF357}"/>
+              </a:ext>
+            </a:extLst>
+          </p:cNvPr>
+          <p:cNvSpPr>
+            <a:spLocks noGrp="1"/>
+          </p:cNvSpPr>
+          <p:nvPr>
+            <p:ph type="title"/>
+          </p:nvPr>
+        </p:nvSpPr>
+        <p:spPr/>
+        <p:txBody>
+          <a:bodyPr>
+            <a:normAutofit/>
+          </a:bodyPr>
+          <a:lstStyle/>
+          <a:p>
+            <a:r>
+              <a:rPr lang="en-US" sz="2400" dirty="0">
+                <a:solidFill>
+                  <a:schemeClr val="bg1"/>
+                </a:solidFill>
+              </a:rPr>
+              <a:t>Summary</a:t>
+            </a:r>
+          </a:p>
+        </p:txBody>
+      </p:sp>
+      <p:sp>
+        <p:nvSpPr>
+          <p:cNvPr id="3" name="Content Placeholder 2">
+            <a:extLst>
+              <a:ext uri="{FF2B5EF4-FFF2-40B4-BE49-F238E27FC236}">
+                <a16:creationId xmlns:a16="http://schemas.microsoft.com/office/drawing/2014/main" id="{794D05AE-6CAC-75A2-DCC3-B181501CED5E}"/>
+              </a:ext>
+            </a:extLst>
+          </p:cNvPr>
+          <p:cNvSpPr>
+            <a:spLocks noGrp="1"/>
+          </p:cNvSpPr>
+          <p:nvPr>
+            <p:ph idx="1"/>
+          </p:nvPr>
+        </p:nvSpPr>
+        <p:spPr/>
+        <p:txBody>
+          <a:bodyPr>
+            <a:normAutofit/>
+          </a:bodyPr>
+          <a:lstStyle/>
+          <a:p>
+            <a:r>
+              <a:rPr lang="en-US" dirty="0"/>
+              <a:t>Study H1 absorption of cool CGM around dwarf galaxies</a:t>
+            </a:r>
+          </a:p>
+          <a:p>
+            <a:r>
+              <a:rPr lang="en-US" dirty="0"/>
+              <a:t>Construct analytical model to fit H1 column density</a:t>
+            </a:r>
+          </a:p>
+          <a:p>
+            <a:r>
+              <a:rPr lang="en-US" dirty="0"/>
+              <a:t>Calculate empirical upper limits of cool CGM mass</a:t>
+            </a:r>
+          </a:p>
+          <a:p>
+            <a:r>
+              <a:rPr lang="en-US" dirty="0"/>
+              <a:t>Important implications for galaxy evolution</a:t>
+            </a:r>
+          </a:p>
+          <a:p>
+            <a:pPr lvl="1"/>
+            <a:r>
+              <a:rPr lang="en-US" dirty="0"/>
+              <a:t>Find ~&lt;10% of baryon budget in cool CGM + ~5% in stars</a:t>
+            </a:r>
+          </a:p>
+          <a:p>
+            <a:pPr lvl="1"/>
+            <a:r>
+              <a:rPr lang="en-US" dirty="0"/>
+              <a:t>Remaining in warm/hot CGM or ejected</a:t>
+            </a:r>
+          </a:p>
+          <a:p>
+            <a:pPr lvl="1"/>
+            <a:r>
+              <a:rPr lang="en-US" dirty="0"/>
+              <a:t>Cool CGM accretion rates support observed SF for &gt; 1 Gyr</a:t>
+            </a:r>
+          </a:p>
+          <a:p>
+            <a:r>
+              <a:rPr lang="en-US" dirty="0"/>
+              <a:t>Comparison to massive halos</a:t>
+            </a:r>
+          </a:p>
+          <a:p>
+            <a:pPr lvl="1"/>
+            <a:r>
+              <a:rPr lang="en-US" dirty="0"/>
+              <a:t>May be support for constant baryon fraction</a:t>
+            </a:r>
+          </a:p>
+        </p:txBody>
+      </p:sp>
+      <p:sp>
+        <p:nvSpPr>
+          <p:cNvPr id="4" name="Text Placeholder 3">
+            <a:extLst>
+              <a:ext uri="{FF2B5EF4-FFF2-40B4-BE49-F238E27FC236}">
+                <a16:creationId xmlns:a16="http://schemas.microsoft.com/office/drawing/2014/main" id="{011AF498-E590-26FA-87F1-178130A9D9C4}"/>
+              </a:ext>
+            </a:extLst>
+          </p:cNvPr>
+          <p:cNvSpPr>
+            <a:spLocks noGrp="1"/>
+          </p:cNvSpPr>
+          <p:nvPr>
+            <p:ph type="body" sz="half" idx="2"/>
+          </p:nvPr>
+        </p:nvSpPr>
+        <p:spPr/>
+        <p:txBody>
+          <a:bodyPr/>
+          <a:lstStyle/>
+          <a:p>
+            <a:endParaRPr lang="en-US"/>
+          </a:p>
+        </p:txBody>
+      </p:sp>
+    </p:spTree>
+    <p:extLst>
+      <p:ext uri="{BB962C8B-B14F-4D97-AF65-F5344CB8AC3E}">
+        <p14:creationId xmlns:p14="http://schemas.microsoft.com/office/powerpoint/2010/main" val="1363316789"/>
+      </p:ext>
+    </p:extLst>
+  </p:cSld>
+  <p:clrMapOvr>
+    <a:masterClrMapping/>
+  </p:clrMapOvr>
+</p:sld>
+</file>
+
+<file path=ppt/slides/slide13.xml><?xml version="1.0" encoding="utf-8"?>
+<p:sld xmlns:a="http://schemas.openxmlformats.org/drawingml/2006/main" xmlns:r="http://schemas.openxmlformats.org/officeDocument/2006/relationships" xmlns:p="http://schemas.openxmlformats.org/presentationml/2006/main">
+  <p:cSld>
+    <p:spTree>
+      <p:nvGrpSpPr>
+        <p:cNvPr id="1" name=""/>
+        <p:cNvGrpSpPr/>
+        <p:nvPr/>
+      </p:nvGrpSpPr>
+      <p:grpSpPr>
+        <a:xfrm>
+          <a:off x="0" y="0"/>
+          <a:ext cx="0" cy="0"/>
+          <a:chOff x="0" y="0"/>
+          <a:chExt cx="0" cy="0"/>
+        </a:xfrm>
+      </p:grpSpPr>
+    </p:spTree>
+    <p:extLst>
+      <p:ext uri="{BB962C8B-B14F-4D97-AF65-F5344CB8AC3E}">
+        <p14:creationId xmlns:p14="http://schemas.microsoft.com/office/powerpoint/2010/main" val="3331498026"/>
+      </p:ext>
+    </p:extLst>
+  </p:cSld>
+  <p:clrMapOvr>
+    <a:masterClrMapping/>
+  </p:clrMapOvr>
+</p:sld>
+</file>
+
+<file path=ppt/slides/slide14.xml><?xml version="1.0" encoding="utf-8"?>
+<p:sld xmlns:a="http://schemas.openxmlformats.org/drawingml/2006/main" xmlns:r="http://schemas.openxmlformats.org/officeDocument/2006/relationships" xmlns:p="http://schemas.openxmlformats.org/presentationml/2006/main">
+  <p:cSld>
+    <p:spTree>
+      <p:nvGrpSpPr>
+        <p:cNvPr id="1" name=""/>
+        <p:cNvGrpSpPr/>
+        <p:nvPr/>
+      </p:nvGrpSpPr>
+      <p:grpSpPr>
+        <a:xfrm>
+          <a:off x="0" y="0"/>
+          <a:ext cx="0" cy="0"/>
+          <a:chOff x="0" y="0"/>
+          <a:chExt cx="0" cy="0"/>
+        </a:xfrm>
+      </p:grpSpPr>
+      <p:sp>
+        <p:nvSpPr>
+          <p:cNvPr id="2" name="Title 1">
+            <a:extLst>
+              <a:ext uri="{FF2B5EF4-FFF2-40B4-BE49-F238E27FC236}">
+                <a16:creationId xmlns:a16="http://schemas.microsoft.com/office/drawing/2014/main" id="{BA54630F-BB9B-146D-97B7-5279EC8E27DA}"/>
+              </a:ext>
+            </a:extLst>
+          </p:cNvPr>
+          <p:cNvSpPr>
+            <a:spLocks noGrp="1"/>
+          </p:cNvSpPr>
+          <p:nvPr>
+            <p:ph type="title"/>
+          </p:nvPr>
+        </p:nvSpPr>
+        <p:spPr/>
+        <p:txBody>
+          <a:bodyPr>
+            <a:normAutofit/>
+          </a:bodyPr>
+          <a:lstStyle/>
+          <a:p>
+            <a:r>
+              <a:rPr lang="en-US" sz="2400" dirty="0">
+                <a:solidFill>
+                  <a:schemeClr val="bg1"/>
+                </a:solidFill>
+              </a:rPr>
+              <a:t>Absorption line studies</a:t>
+            </a:r>
+          </a:p>
+        </p:txBody>
+      </p:sp>
+      <p:sp>
+        <p:nvSpPr>
+          <p:cNvPr id="3" name="Content Placeholder 2">
+            <a:extLst>
+              <a:ext uri="{FF2B5EF4-FFF2-40B4-BE49-F238E27FC236}">
+                <a16:creationId xmlns:a16="http://schemas.microsoft.com/office/drawing/2014/main" id="{B6B2E986-7B7C-1DE2-27E4-728D306D13A3}"/>
+              </a:ext>
+            </a:extLst>
+          </p:cNvPr>
+          <p:cNvSpPr>
+            <a:spLocks noGrp="1"/>
+          </p:cNvSpPr>
+          <p:nvPr>
+            <p:ph idx="1"/>
+          </p:nvPr>
+        </p:nvSpPr>
+        <p:spPr/>
+        <p:txBody>
+          <a:bodyPr/>
+          <a:lstStyle/>
+          <a:p>
+            <a:endParaRPr lang="en-US" dirty="0"/>
+          </a:p>
+        </p:txBody>
+      </p:sp>
+      <p:sp>
+        <p:nvSpPr>
+          <p:cNvPr id="4" name="Text Placeholder 3">
+            <a:extLst>
+              <a:ext uri="{FF2B5EF4-FFF2-40B4-BE49-F238E27FC236}">
+                <a16:creationId xmlns:a16="http://schemas.microsoft.com/office/drawing/2014/main" id="{CA63416E-5A91-C407-E1A9-8611DCD4934D}"/>
+              </a:ext>
+            </a:extLst>
+          </p:cNvPr>
+          <p:cNvSpPr>
+            <a:spLocks noGrp="1"/>
+          </p:cNvSpPr>
+          <p:nvPr>
+            <p:ph type="body" sz="half" idx="2"/>
+          </p:nvPr>
+        </p:nvSpPr>
+        <p:spPr/>
+        <p:txBody>
+          <a:bodyPr/>
+          <a:lstStyle/>
+          <a:p>
+            <a:endParaRPr lang="en-US"/>
+          </a:p>
+        </p:txBody>
+      </p:sp>
+      <p:pic>
+        <p:nvPicPr>
+          <p:cNvPr id="8" name="Picture 7">
+            <a:extLst>
+              <a:ext uri="{FF2B5EF4-FFF2-40B4-BE49-F238E27FC236}">
+                <a16:creationId xmlns:a16="http://schemas.microsoft.com/office/drawing/2014/main" id="{E264BBFF-9637-CFD3-139F-F488DE4672CE}"/>
+              </a:ext>
+            </a:extLst>
+          </p:cNvPr>
+          <p:cNvPicPr>
+            <a:picLocks noChangeAspect="1"/>
+          </p:cNvPicPr>
+          <p:nvPr/>
+        </p:nvPicPr>
+        <p:blipFill>
+          <a:blip r:embed="rId2"/>
+          <a:srcRect l="2863" t="5375" r="5498" b="1699"/>
+          <a:stretch/>
+        </p:blipFill>
         <p:spPr>
           <a:xfrm>
-            <a:off x="504000" y="1326600"/>
-            <a:ext cx="9071640" cy="3288240"/>
+            <a:off x="4861302" y="200563"/>
+            <a:ext cx="4546170" cy="5269424"/>
           </a:xfrm>
           <a:prstGeom prst="rect">
             <a:avLst/>
           </a:prstGeom>
-          <a:noFill/>
-          <a:ln w="0">
-            <a:noFill/>
-          </a:ln>
         </p:spPr>
-        <p:txBody>
-          <a:bodyPr lIns="0" tIns="0" rIns="0" bIns="0" anchor="t">
-            <a:normAutofit fontScale="98000" lnSpcReduction="10000"/>
-          </a:bodyPr>
-          <a:lstStyle/>
-          <a:p>
-            <a:pPr marL="423360" indent="-317520">
-              <a:spcBef>
-                <a:spcPts val="1417"/>
-              </a:spcBef>
-              <a:buClr>
-                <a:srgbClr val="000000"/>
-              </a:buClr>
-              <a:buSzPct val="45000"/>
-              <a:buFont typeface="Wingdings" charset="2"/>
-              <a:buChar char=""/>
-            </a:pPr>
-            <a:r>
-              <a:rPr lang="en-US" sz="900" b="0" strike="noStrike" spc="-1">
-                <a:solidFill>
-                  <a:srgbClr val="000000"/>
-                </a:solidFill>
-                <a:latin typeface="Arial"/>
-              </a:rPr>
-              <a:t>In this work we study the cool, photoionized CGM of dwarf galaxies, by constructing a simple analytic model for the gas distribution and fitting it to HI column density observations from the literature. We report the first empirical limits on the amount of cool CGM in halos with masses in the range M200m ≈ 1010 − 3 × 1011 M⊙, significantly extending the range of previous works. For our model we adopt a power-law density profile, a constant volume filling factor (fV), and assume that the cool CGM phase is in heating/cooling and ionization equilibrium with the MGRF. We apply the model to the HI column densities measured in UV absorption and reported by Z24 and M24. Our best-fitting models reproduce the observed HI column density profiles (see Figure 2), and allow us to estimate the cool gas mass, McCGM up to the unknown value of fV. We show analytically that for a given HI column, McCGM ∝ f 1/2 V . Models with volume-filling cool gas (fV = 1), provide an upper limit on the mass (see Figure 1). For our sample we estimate McCGM ≲ 5 × 108 − 2 × 109M⊙, and that ≲ 10% of the total budget of baryons in these galaxies reside in the cool CGM (see Figure 3). We also construct clumpy gas models, with fV = 0.01, motivated by previous studies of more massive galaxies, and show that our analytic relation is a good approximation to the numerical results, giving masses a factor of ≈ 11 lower than models with fV = 1. We address two uncertainties in our results. First, the gas metallicity, affecting the gas equilibrium temperature and HI fraction, is not well constrained. We fit models with metallicities of Z′ = 0.1 and 1 and find these lead to ≈ 10% variation in the gas mass compared to a nominal value of Z′ = 0.3. Second, the galaxies in our sample have redshifts in the range 0 &lt; z &lt; 0.3, with ⟨z⟩med = 0.1. We model them at z = 0, and for z = 0.1 the inferred McCGM is 30% higher. The gas densities and pressures in our nominal models provide lower limits, with nH ∝ f −1/2 V . For cool gas that is volume-filling or close to it, the gas densities are ≈ 10−5 cm−3, barely above those of the IGM. The gas pressures are lower than expected for the warm/hot CGM, which may suggest either pressure imbalance between the phases, or non-thermal support in the cool gas. For lower volume-filling fractions, the thermal pressures are higher and the cool phase may be in thermal pressure equilibrium with the warm/hot gas (Figure 2). Our results have important implications in the context of galaxy evolution. First, our upper limits show that the stellar and cool CGM mass constitute together less that 15% of the halo cosmological baryon budget. The remaining 85% can be either in warm/hot CGM or could have been lost to the IGM through stellar feedback processes. Second, assuming accretion of cool gas onto the galaxy on a dynamical time scale, the accretion rates may be enough to maintain SF at the present measured rates, depending on the actual gas morphology, kinematics, and pressure support. Limits on Cool CGM in Dwarfs 11 We then compare our results to cool gas masses from previous studies of more massive halos, and show that the data may suggest a constant fraction of the halo baryons in the cool CGM (Figure 3). However, given the differences in galaxy samples and analysis methods, inferring any trends of McCGM vs Mhalo is still highly uncertain and requires additional work. Finally, we show that the diffuse IGM outside these halos and the warm/hot CGM associated with the galaxies can both have contributions to the total measured columns densities (see Figure 4). Our limits on McCGM in this work are conservative in assuming that all the measured HI column originates in the cool CGM. This study allows for the first time to empirically examine the behavior of the cool CGM mass as a function of halo mass. It also highlights the many questions still open. Where are the rest of the baryons in low mass halos and how can we detect them? How many metals are in the CGM and how many were ejected from the halo into the IGM? What physical processes control the properties of the cool CGM, and how does it interact with the galaxy? Future work, combining observations, models, and numerical experiments, will enable us to answer these questions and obtain a better understanding of the CGM and its role in galaxy evolution.</a:t>
-            </a:r>
-          </a:p>
-        </p:txBody>
-      </p:sp>
-      <p:sp>
-        <p:nvSpPr>
-          <p:cNvPr id="61" name="PlaceHolder 1"/>
+      </p:pic>
+    </p:spTree>
+    <p:extLst>
+      <p:ext uri="{BB962C8B-B14F-4D97-AF65-F5344CB8AC3E}">
+        <p14:creationId xmlns:p14="http://schemas.microsoft.com/office/powerpoint/2010/main" val="1078113936"/>
+      </p:ext>
+    </p:extLst>
+  </p:cSld>
+  <p:clrMapOvr>
+    <a:masterClrMapping/>
+  </p:clrMapOvr>
+</p:sld>
+</file>
+
+<file path=ppt/slides/slide15.xml><?xml version="1.0" encoding="utf-8"?>
+<p:sld xmlns:a="http://schemas.openxmlformats.org/drawingml/2006/main" xmlns:r="http://schemas.openxmlformats.org/officeDocument/2006/relationships" xmlns:p="http://schemas.openxmlformats.org/presentationml/2006/main">
+  <p:cSld>
+    <p:spTree>
+      <p:nvGrpSpPr>
+        <p:cNvPr id="1" name=""/>
+        <p:cNvGrpSpPr/>
+        <p:nvPr/>
+      </p:nvGrpSpPr>
+      <p:grpSpPr>
+        <a:xfrm>
+          <a:off x="0" y="0"/>
+          <a:ext cx="0" cy="0"/>
+          <a:chOff x="0" y="0"/>
+          <a:chExt cx="0" cy="0"/>
+        </a:xfrm>
+      </p:grpSpPr>
+      <p:sp>
+        <p:nvSpPr>
+          <p:cNvPr id="2" name="Title 1">
+            <a:extLst>
+              <a:ext uri="{FF2B5EF4-FFF2-40B4-BE49-F238E27FC236}">
+                <a16:creationId xmlns:a16="http://schemas.microsoft.com/office/drawing/2014/main" id="{3D8A9D34-38B2-AA59-AE89-34FBFA9A6844}"/>
+              </a:ext>
+            </a:extLst>
+          </p:cNvPr>
           <p:cNvSpPr>
             <a:spLocks noGrp="1"/>
           </p:cNvSpPr>
@@ -4928,37 +5987,337 @@
             <p:ph type="title"/>
           </p:nvPr>
         </p:nvSpPr>
+        <p:spPr/>
+        <p:txBody>
+          <a:bodyPr/>
+          <a:lstStyle/>
+          <a:p>
+            <a:r>
+              <a:rPr lang="en-US" dirty="0"/>
+              <a:t>Data</a:t>
+            </a:r>
+          </a:p>
+        </p:txBody>
+      </p:sp>
+      <p:sp>
+        <p:nvSpPr>
+          <p:cNvPr id="3" name="Content Placeholder 2">
+            <a:extLst>
+              <a:ext uri="{FF2B5EF4-FFF2-40B4-BE49-F238E27FC236}">
+                <a16:creationId xmlns:a16="http://schemas.microsoft.com/office/drawing/2014/main" id="{E61A556B-DDF1-5CC2-D5BF-C0A78F88D272}"/>
+              </a:ext>
+            </a:extLst>
+          </p:cNvPr>
+          <p:cNvSpPr>
+            <a:spLocks noGrp="1"/>
+          </p:cNvSpPr>
+          <p:nvPr>
+            <p:ph idx="1"/>
+          </p:nvPr>
+        </p:nvSpPr>
+        <p:spPr/>
+        <p:txBody>
+          <a:bodyPr/>
+          <a:lstStyle/>
+          <a:p>
+            <a:endParaRPr lang="en-US"/>
+          </a:p>
+        </p:txBody>
+      </p:sp>
+      <p:pic>
+        <p:nvPicPr>
+          <p:cNvPr id="5" name="Picture 4">
+            <a:extLst>
+              <a:ext uri="{FF2B5EF4-FFF2-40B4-BE49-F238E27FC236}">
+                <a16:creationId xmlns:a16="http://schemas.microsoft.com/office/drawing/2014/main" id="{2AC2EB38-DC3B-0FB5-F4A7-6BA9E2F93248}"/>
+              </a:ext>
+            </a:extLst>
+          </p:cNvPr>
+          <p:cNvPicPr>
+            <a:picLocks noChangeAspect="1"/>
+          </p:cNvPicPr>
+          <p:nvPr/>
+        </p:nvPicPr>
+        <p:blipFill>
+          <a:blip r:embed="rId2"/>
+          <a:srcRect l="1709" t="1641" r="3234" b="878"/>
+          <a:stretch/>
+        </p:blipFill>
         <p:spPr>
+          <a:xfrm>
+            <a:off x="2391904" y="708734"/>
+            <a:ext cx="4887133" cy="4841882"/>
+          </a:xfrm>
           <a:prstGeom prst="rect">
             <a:avLst/>
           </a:prstGeom>
-          <a:noFill/>
-          <a:ln w="0">
-            <a:noFill/>
-          </a:ln>
         </p:spPr>
-        <p:txBody>
-          <a:bodyPr lIns="0" tIns="0" rIns="0" bIns="0" anchor="ctr">
-            <a:noAutofit/>
+      </p:pic>
+    </p:spTree>
+    <p:extLst>
+      <p:ext uri="{BB962C8B-B14F-4D97-AF65-F5344CB8AC3E}">
+        <p14:creationId xmlns:p14="http://schemas.microsoft.com/office/powerpoint/2010/main" val="1767065223"/>
+      </p:ext>
+    </p:extLst>
+  </p:cSld>
+  <p:clrMapOvr>
+    <a:masterClrMapping/>
+  </p:clrMapOvr>
+</p:sld>
+</file>
+
+<file path=ppt/slides/slide16.xml><?xml version="1.0" encoding="utf-8"?>
+<p:sld xmlns:a="http://schemas.openxmlformats.org/drawingml/2006/main" xmlns:r="http://schemas.openxmlformats.org/officeDocument/2006/relationships" xmlns:p="http://schemas.openxmlformats.org/presentationml/2006/main">
+  <p:cSld>
+    <p:spTree>
+      <p:nvGrpSpPr>
+        <p:cNvPr id="1" name=""/>
+        <p:cNvGrpSpPr/>
+        <p:nvPr/>
+      </p:nvGrpSpPr>
+      <p:grpSpPr>
+        <a:xfrm>
+          <a:off x="0" y="0"/>
+          <a:ext cx="0" cy="0"/>
+          <a:chOff x="0" y="0"/>
+          <a:chExt cx="0" cy="0"/>
+        </a:xfrm>
+      </p:grpSpPr>
+      <p:sp>
+        <p:nvSpPr>
+          <p:cNvPr id="2" name="Title 1">
+            <a:extLst>
+              <a:ext uri="{FF2B5EF4-FFF2-40B4-BE49-F238E27FC236}">
+                <a16:creationId xmlns:a16="http://schemas.microsoft.com/office/drawing/2014/main" id="{17ECABBB-5180-E103-9AAF-BF2A51C7524A}"/>
+              </a:ext>
+            </a:extLst>
+          </p:cNvPr>
+          <p:cNvSpPr>
+            <a:spLocks noGrp="1"/>
+          </p:cNvSpPr>
+          <p:nvPr>
+            <p:ph type="title"/>
+          </p:nvPr>
+        </p:nvSpPr>
+        <p:spPr/>
+        <p:txBody>
+          <a:bodyPr>
+            <a:normAutofit/>
           </a:bodyPr>
           <a:lstStyle/>
           <a:p>
-            <a:pPr indent="0" algn="ctr">
+            <a:r>
+              <a:rPr lang="en-US" sz="2400" dirty="0">
+                <a:solidFill>
+                  <a:schemeClr val="bg1"/>
+                </a:solidFill>
+              </a:rPr>
+              <a:t>Detailed Model</a:t>
+            </a:r>
+          </a:p>
+        </p:txBody>
+      </p:sp>
+      <p:sp>
+        <p:nvSpPr>
+          <p:cNvPr id="3" name="Content Placeholder 2">
+            <a:extLst>
+              <a:ext uri="{FF2B5EF4-FFF2-40B4-BE49-F238E27FC236}">
+                <a16:creationId xmlns:a16="http://schemas.microsoft.com/office/drawing/2014/main" id="{EE3C50EE-3A09-AEF0-67E6-4FDEEF13C057}"/>
+              </a:ext>
+            </a:extLst>
+          </p:cNvPr>
+          <p:cNvSpPr>
+            <a:spLocks noGrp="1"/>
+          </p:cNvSpPr>
+          <p:nvPr>
+            <p:ph idx="1"/>
+          </p:nvPr>
+        </p:nvSpPr>
+        <p:spPr/>
+        <p:txBody>
+          <a:bodyPr/>
+          <a:lstStyle/>
+          <a:p>
+            <a:pPr marL="0" indent="0">
               <a:buNone/>
             </a:pPr>
-            <a:r>
-              <a:rPr lang="en-US" sz="4400" b="0" strike="noStrike" spc="-1">
-                <a:solidFill>
-                  <a:srgbClr val="000000"/>
-                </a:solidFill>
-                <a:latin typeface="Arial"/>
-              </a:rPr>
-              <a:t>Summary</a:t>
-            </a:r>
-          </a:p>
-        </p:txBody>
-      </p:sp>
+            <a:endParaRPr lang="en-US" dirty="0"/>
+          </a:p>
+        </p:txBody>
+      </p:sp>
+      <p:sp>
+        <p:nvSpPr>
+          <p:cNvPr id="4" name="Text Placeholder 3">
+            <a:extLst>
+              <a:ext uri="{FF2B5EF4-FFF2-40B4-BE49-F238E27FC236}">
+                <a16:creationId xmlns:a16="http://schemas.microsoft.com/office/drawing/2014/main" id="{63822D68-1DC0-D97A-865F-2D73DC9C7422}"/>
+              </a:ext>
+            </a:extLst>
+          </p:cNvPr>
+          <p:cNvSpPr>
+            <a:spLocks noGrp="1"/>
+          </p:cNvSpPr>
+          <p:nvPr>
+            <p:ph type="body" sz="half" idx="2"/>
+          </p:nvPr>
+        </p:nvSpPr>
+        <p:spPr/>
+        <p:txBody>
+          <a:bodyPr/>
+          <a:lstStyle/>
+          <a:p>
+            <a:endParaRPr lang="en-US"/>
+          </a:p>
+        </p:txBody>
+      </p:sp>
+      <p:pic>
+        <p:nvPicPr>
+          <p:cNvPr id="6" name="Picture 5">
+            <a:extLst>
+              <a:ext uri="{FF2B5EF4-FFF2-40B4-BE49-F238E27FC236}">
+                <a16:creationId xmlns:a16="http://schemas.microsoft.com/office/drawing/2014/main" id="{E865FCAD-4F63-CC62-3112-7CBDAB0694D0}"/>
+              </a:ext>
+            </a:extLst>
+          </p:cNvPr>
+          <p:cNvPicPr>
+            <a:picLocks noChangeAspect="1"/>
+          </p:cNvPicPr>
+          <p:nvPr/>
+        </p:nvPicPr>
+        <p:blipFill>
+          <a:blip r:embed="rId2"/>
+          <a:stretch>
+            <a:fillRect/>
+          </a:stretch>
+        </p:blipFill>
+        <p:spPr>
+          <a:xfrm>
+            <a:off x="976488" y="1797406"/>
+            <a:ext cx="7877175" cy="1000125"/>
+          </a:xfrm>
+          <a:prstGeom prst="rect">
+            <a:avLst/>
+          </a:prstGeom>
+        </p:spPr>
+      </p:pic>
     </p:spTree>
+    <p:extLst>
+      <p:ext uri="{BB962C8B-B14F-4D97-AF65-F5344CB8AC3E}">
+        <p14:creationId xmlns:p14="http://schemas.microsoft.com/office/powerpoint/2010/main" val="1779153728"/>
+      </p:ext>
+    </p:extLst>
+  </p:cSld>
+  <p:clrMapOvr>
+    <a:masterClrMapping/>
+  </p:clrMapOvr>
+</p:sld>
+</file>
+
+<file path=ppt/slides/slide17.xml><?xml version="1.0" encoding="utf-8"?>
+<p:sld xmlns:a="http://schemas.openxmlformats.org/drawingml/2006/main" xmlns:r="http://schemas.openxmlformats.org/officeDocument/2006/relationships" xmlns:p="http://schemas.openxmlformats.org/presentationml/2006/main">
+  <p:cSld>
+    <p:spTree>
+      <p:nvGrpSpPr>
+        <p:cNvPr id="1" name=""/>
+        <p:cNvGrpSpPr/>
+        <p:nvPr/>
+      </p:nvGrpSpPr>
+      <p:grpSpPr>
+        <a:xfrm>
+          <a:off x="0" y="0"/>
+          <a:ext cx="0" cy="0"/>
+          <a:chOff x="0" y="0"/>
+          <a:chExt cx="0" cy="0"/>
+        </a:xfrm>
+      </p:grpSpPr>
+      <p:sp>
+        <p:nvSpPr>
+          <p:cNvPr id="2" name="Title 1">
+            <a:extLst>
+              <a:ext uri="{FF2B5EF4-FFF2-40B4-BE49-F238E27FC236}">
+                <a16:creationId xmlns:a16="http://schemas.microsoft.com/office/drawing/2014/main" id="{03F3F4F8-8101-BEF0-062D-B7FCDCF742AD}"/>
+              </a:ext>
+            </a:extLst>
+          </p:cNvPr>
+          <p:cNvSpPr>
+            <a:spLocks noGrp="1"/>
+          </p:cNvSpPr>
+          <p:nvPr>
+            <p:ph type="title"/>
+          </p:nvPr>
+        </p:nvSpPr>
+        <p:spPr/>
+        <p:txBody>
+          <a:bodyPr/>
+          <a:lstStyle/>
+          <a:p>
+            <a:r>
+              <a:rPr lang="en-US" dirty="0"/>
+              <a:t>IGM contribution</a:t>
+            </a:r>
+          </a:p>
+        </p:txBody>
+      </p:sp>
+      <p:sp>
+        <p:nvSpPr>
+          <p:cNvPr id="3" name="Content Placeholder 2">
+            <a:extLst>
+              <a:ext uri="{FF2B5EF4-FFF2-40B4-BE49-F238E27FC236}">
+                <a16:creationId xmlns:a16="http://schemas.microsoft.com/office/drawing/2014/main" id="{9EC495D1-9459-46FE-3411-6790EE750699}"/>
+              </a:ext>
+            </a:extLst>
+          </p:cNvPr>
+          <p:cNvSpPr>
+            <a:spLocks noGrp="1"/>
+          </p:cNvSpPr>
+          <p:nvPr>
+            <p:ph idx="1"/>
+          </p:nvPr>
+        </p:nvSpPr>
+        <p:spPr/>
+        <p:txBody>
+          <a:bodyPr/>
+          <a:lstStyle/>
+          <a:p>
+            <a:endParaRPr lang="en-US"/>
+          </a:p>
+        </p:txBody>
+      </p:sp>
+      <p:pic>
+        <p:nvPicPr>
+          <p:cNvPr id="5" name="Picture 4">
+            <a:extLst>
+              <a:ext uri="{FF2B5EF4-FFF2-40B4-BE49-F238E27FC236}">
+                <a16:creationId xmlns:a16="http://schemas.microsoft.com/office/drawing/2014/main" id="{46F8B816-7A9B-F0C5-6FAE-E6AC578D0402}"/>
+              </a:ext>
+            </a:extLst>
+          </p:cNvPr>
+          <p:cNvPicPr>
+            <a:picLocks noChangeAspect="1"/>
+          </p:cNvPicPr>
+          <p:nvPr/>
+        </p:nvPicPr>
+        <p:blipFill>
+          <a:blip r:embed="rId2"/>
+          <a:srcRect l="7599" t="6833" r="5307" b="11538"/>
+          <a:stretch/>
+        </p:blipFill>
+        <p:spPr>
+          <a:xfrm>
+            <a:off x="2381574" y="1802947"/>
+            <a:ext cx="5052446" cy="3644921"/>
+          </a:xfrm>
+          <a:prstGeom prst="rect">
+            <a:avLst/>
+          </a:prstGeom>
+        </p:spPr>
+      </p:pic>
+    </p:spTree>
+    <p:extLst>
+      <p:ext uri="{BB962C8B-B14F-4D97-AF65-F5344CB8AC3E}">
+        <p14:creationId xmlns:p14="http://schemas.microsoft.com/office/powerpoint/2010/main" val="2782857424"/>
+      </p:ext>
+    </p:extLst>
   </p:cSld>
   <p:clrMapOvr>
     <a:masterClrMapping/>
@@ -4988,7 +6347,7 @@
           <p:cNvPr id="2" name="Title 1">
             <a:extLst>
               <a:ext uri="{FF2B5EF4-FFF2-40B4-BE49-F238E27FC236}">
-                <a16:creationId xmlns:a16="http://schemas.microsoft.com/office/drawing/2014/main" id="{8A5DF5CA-5AB8-E57A-AD55-AD1B7CB84670}"/>
+                <a16:creationId xmlns:a16="http://schemas.microsoft.com/office/drawing/2014/main" id="{E0ADC84E-B034-36EA-1FDC-3F4F06AE6CCF}"/>
               </a:ext>
             </a:extLst>
           </p:cNvPr>
@@ -5004,16 +6363,19 @@
           <a:bodyPr/>
           <a:lstStyle/>
           <a:p>
-            <a:endParaRPr lang="en-US"/>
-          </a:p>
-        </p:txBody>
-      </p:sp>
-      <p:sp>
-        <p:nvSpPr>
-          <p:cNvPr id="3" name="Text Placeholder 2">
+            <a:r>
+              <a:rPr lang="en-US" dirty="0"/>
+              <a:t>Observations</a:t>
+            </a:r>
+          </a:p>
+        </p:txBody>
+      </p:sp>
+      <p:sp>
+        <p:nvSpPr>
+          <p:cNvPr id="3" name="Content Placeholder 2">
             <a:extLst>
               <a:ext uri="{FF2B5EF4-FFF2-40B4-BE49-F238E27FC236}">
-                <a16:creationId xmlns:a16="http://schemas.microsoft.com/office/drawing/2014/main" id="{7CF66836-CFD1-0F32-2D98-43881217827F}"/>
+                <a16:creationId xmlns:a16="http://schemas.microsoft.com/office/drawing/2014/main" id="{6863D795-B027-765F-4BC1-B3779DB1F18C}"/>
               </a:ext>
             </a:extLst>
           </p:cNvPr>
@@ -5021,22 +6383,153 @@
             <a:spLocks noGrp="1"/>
           </p:cNvSpPr>
           <p:nvPr>
-            <p:ph type="body" idx="1"/>
-          </p:nvPr>
-        </p:nvSpPr>
-        <p:spPr/>
-        <p:txBody>
-          <a:bodyPr/>
-          <a:lstStyle/>
-          <a:p>
-            <a:endParaRPr lang="en-US"/>
+            <p:ph idx="1"/>
+          </p:nvPr>
+        </p:nvSpPr>
+        <p:spPr>
+          <a:xfrm>
+            <a:off x="480544" y="1668652"/>
+            <a:ext cx="9119538" cy="3719592"/>
+          </a:xfrm>
+        </p:spPr>
+        <p:txBody>
+          <a:bodyPr>
+            <a:normAutofit fontScale="92500" lnSpcReduction="10000"/>
+          </a:bodyPr>
+          <a:lstStyle/>
+          <a:p>
+            <a:r>
+              <a:rPr lang="en-US" dirty="0"/>
+              <a:t>Galaxy-Quasar pair line-of-sight absorption measurements</a:t>
+            </a:r>
+          </a:p>
+          <a:p>
+            <a:r>
+              <a:rPr lang="en-US" dirty="0"/>
+              <a:t>Zheng et al. 2024</a:t>
+            </a:r>
+          </a:p>
+          <a:p>
+            <a:pPr lvl="1"/>
+            <a:r>
+              <a:rPr lang="en-US" dirty="0"/>
+              <a:t>Complication of archival and new hydrogen and metal absorption line measurements</a:t>
+            </a:r>
+          </a:p>
+          <a:p>
+            <a:pPr lvl="1"/>
+            <a:r>
+              <a:rPr lang="en-US" dirty="0"/>
+              <a:t>All done with HST-COS</a:t>
+            </a:r>
+          </a:p>
+          <a:p>
+            <a:pPr lvl="1"/>
+            <a:r>
+              <a:rPr lang="en-US" dirty="0"/>
+              <a:t>Dwarf galaxies with stellar masses from 10</a:t>
+            </a:r>
+            <a:r>
+              <a:rPr lang="en-US" baseline="30000" dirty="0"/>
+              <a:t>6.5</a:t>
+            </a:r>
+            <a:r>
+              <a:rPr lang="en-US" dirty="0"/>
+              <a:t> – 10</a:t>
+            </a:r>
+            <a:r>
+              <a:rPr lang="en-US" baseline="30000" dirty="0"/>
+              <a:t>9.5</a:t>
+            </a:r>
+            <a:r>
+              <a:rPr lang="en-US" dirty="0"/>
+              <a:t> M</a:t>
+            </a:r>
+            <a:r>
+              <a:rPr lang="en-US" baseline="-25000" dirty="0"/>
+              <a:t>⊙</a:t>
+            </a:r>
+          </a:p>
+          <a:p>
+            <a:pPr lvl="1"/>
+            <a:r>
+              <a:rPr lang="en-US" dirty="0"/>
+              <a:t>25 Objects</a:t>
+            </a:r>
+          </a:p>
+          <a:p>
+            <a:r>
+              <a:rPr lang="en-US" dirty="0"/>
+              <a:t>Mishra et al. 2024</a:t>
+            </a:r>
+          </a:p>
+          <a:p>
+            <a:pPr lvl="1"/>
+            <a:r>
+              <a:rPr lang="en-US" dirty="0"/>
+              <a:t>Similar H1 and metal absorption measurements</a:t>
+            </a:r>
+          </a:p>
+          <a:p>
+            <a:pPr lvl="1"/>
+            <a:r>
+              <a:rPr lang="en-US" dirty="0"/>
+              <a:t>Part of the CUBS survey – HST Cycle 25 GO Program</a:t>
+            </a:r>
+          </a:p>
+          <a:p>
+            <a:pPr lvl="1"/>
+            <a:r>
+              <a:rPr lang="en-US" dirty="0"/>
+              <a:t>Dwarf galaxies with stellar masses from 10</a:t>
+            </a:r>
+            <a:r>
+              <a:rPr lang="en-US" baseline="30000" dirty="0"/>
+              <a:t>7</a:t>
+            </a:r>
+            <a:r>
+              <a:rPr lang="en-US" dirty="0"/>
+              <a:t> – 10</a:t>
+            </a:r>
+            <a:r>
+              <a:rPr lang="en-US" baseline="30000" dirty="0"/>
+              <a:t>9</a:t>
+            </a:r>
+            <a:r>
+              <a:rPr lang="en-US" dirty="0"/>
+              <a:t> M</a:t>
+            </a:r>
+            <a:r>
+              <a:rPr lang="en-US" baseline="-25000" dirty="0"/>
+              <a:t>⊙</a:t>
+            </a:r>
+          </a:p>
+          <a:p>
+            <a:pPr lvl="1"/>
+            <a:r>
+              <a:rPr lang="en-US" dirty="0"/>
+              <a:t>15 Objects</a:t>
+            </a:r>
+          </a:p>
+          <a:p>
+            <a:r>
+              <a:rPr lang="en-US" dirty="0"/>
+              <a:t>Pick redshifts between 0-0.3</a:t>
+            </a:r>
+          </a:p>
+          <a:p>
+            <a:pPr lvl="1"/>
+            <a:r>
+              <a:rPr lang="en-US" dirty="0"/>
+              <a:t>Bin by halo mass</a:t>
+            </a:r>
           </a:p>
         </p:txBody>
       </p:sp>
     </p:spTree>
     <p:extLst>
       <p:ext uri="{BB962C8B-B14F-4D97-AF65-F5344CB8AC3E}">
-        <p14:creationId xmlns:p14="http://schemas.microsoft.com/office/powerpoint/2010/main" val="2241761286"/>
+        <p14:creationId xmlns:p14="http://schemas.microsoft.com/office/powerpoint/2010/main" val="803618922"/>
       </p:ext>
     </p:extLst>
   </p:cSld>
@@ -5068,7 +6561,7 @@
           <p:cNvPr id="2" name="Title 1">
             <a:extLst>
               <a:ext uri="{FF2B5EF4-FFF2-40B4-BE49-F238E27FC236}">
-                <a16:creationId xmlns:a16="http://schemas.microsoft.com/office/drawing/2014/main" id="{FBAA5F32-A8D6-56FE-1483-1599BAE4FC7C}"/>
+                <a16:creationId xmlns:a16="http://schemas.microsoft.com/office/drawing/2014/main" id="{6158F006-3F53-A38F-DE1B-0BBB3D6CA490}"/>
               </a:ext>
             </a:extLst>
           </p:cNvPr>
@@ -5081,10 +6574,19 @@
         </p:nvSpPr>
         <p:spPr/>
         <p:txBody>
-          <a:bodyPr/>
-          <a:lstStyle/>
-          <a:p>
-            <a:endParaRPr lang="en-US"/>
+          <a:bodyPr>
+            <a:normAutofit/>
+          </a:bodyPr>
+          <a:lstStyle/>
+          <a:p>
+            <a:r>
+              <a:rPr lang="en-US" sz="2400" dirty="0">
+                <a:solidFill>
+                  <a:schemeClr val="bg1"/>
+                </a:solidFill>
+              </a:rPr>
+              <a:t>Z24</a:t>
+            </a:r>
           </a:p>
         </p:txBody>
       </p:sp>
@@ -5093,7 +6595,7 @@
           <p:cNvPr id="3" name="Content Placeholder 2">
             <a:extLst>
               <a:ext uri="{FF2B5EF4-FFF2-40B4-BE49-F238E27FC236}">
-                <a16:creationId xmlns:a16="http://schemas.microsoft.com/office/drawing/2014/main" id="{35D16ABE-2FF0-0A3A-E11D-EBE2C040AFA9}"/>
+                <a16:creationId xmlns:a16="http://schemas.microsoft.com/office/drawing/2014/main" id="{EAE4B61A-691D-280C-4FEA-8042A79521DC}"/>
               </a:ext>
             </a:extLst>
           </p:cNvPr>
@@ -5109,14 +6611,66 @@
           <a:bodyPr/>
           <a:lstStyle/>
           <a:p>
+            <a:pPr marL="0" indent="0">
+              <a:buNone/>
+            </a:pPr>
+            <a:endParaRPr lang="en-US" dirty="0"/>
+          </a:p>
+        </p:txBody>
+      </p:sp>
+      <p:sp>
+        <p:nvSpPr>
+          <p:cNvPr id="4" name="Text Placeholder 3">
+            <a:extLst>
+              <a:ext uri="{FF2B5EF4-FFF2-40B4-BE49-F238E27FC236}">
+                <a16:creationId xmlns:a16="http://schemas.microsoft.com/office/drawing/2014/main" id="{8E361EFE-6753-EF6B-3172-97988F29C4B3}"/>
+              </a:ext>
+            </a:extLst>
+          </p:cNvPr>
+          <p:cNvSpPr>
+            <a:spLocks noGrp="1"/>
+          </p:cNvSpPr>
+          <p:nvPr>
+            <p:ph type="body" sz="half" idx="2"/>
+          </p:nvPr>
+        </p:nvSpPr>
+        <p:spPr/>
+        <p:txBody>
+          <a:bodyPr/>
+          <a:lstStyle/>
+          <a:p>
             <a:endParaRPr lang="en-US"/>
           </a:p>
         </p:txBody>
       </p:sp>
+      <p:pic>
+        <p:nvPicPr>
+          <p:cNvPr id="52" name="Picture 51"/>
+          <p:cNvPicPr/>
+          <p:nvPr/>
+        </p:nvPicPr>
+        <p:blipFill>
+          <a:blip r:embed="rId2"/>
+          <a:srcRect l="2265" t="4215" r="2324"/>
+          <a:stretch/>
+        </p:blipFill>
+        <p:spPr>
+          <a:xfrm>
+            <a:off x="2726923" y="573439"/>
+            <a:ext cx="4623860" cy="3523280"/>
+          </a:xfrm>
+          <a:prstGeom prst="rect">
+            <a:avLst/>
+          </a:prstGeom>
+          <a:ln w="0">
+            <a:noFill/>
+          </a:ln>
+        </p:spPr>
+      </p:pic>
     </p:spTree>
     <p:extLst>
       <p:ext uri="{BB962C8B-B14F-4D97-AF65-F5344CB8AC3E}">
-        <p14:creationId xmlns:p14="http://schemas.microsoft.com/office/powerpoint/2010/main" val="2238048278"/>
+        <p14:creationId xmlns:p14="http://schemas.microsoft.com/office/powerpoint/2010/main" val="3166657540"/>
       </p:ext>
     </p:extLst>
   </p:cSld>
@@ -5131,7 +6685,13 @@
   <p:cSld>
     <p:spTree>
       <p:nvGrpSpPr>
-        <p:cNvPr id="1" name=""/>
+        <p:cNvPr id="1" name="">
+          <a:extLst>
+            <a:ext uri="{FF2B5EF4-FFF2-40B4-BE49-F238E27FC236}">
+              <a16:creationId xmlns:a16="http://schemas.microsoft.com/office/drawing/2014/main" id="{CC1F8605-EBBA-0B68-9A93-598CAF4AED79}"/>
+            </a:ext>
+          </a:extLst>
+        </p:cNvPr>
         <p:cNvGrpSpPr/>
         <p:nvPr/>
       </p:nvGrpSpPr>
@@ -5145,97 +6705,127 @@
       </p:grpSpPr>
       <p:sp>
         <p:nvSpPr>
-          <p:cNvPr id="44" name="PlaceHolder 2"/>
-          <p:cNvSpPr>
-            <a:spLocks noGrp="1"/>
-          </p:cNvSpPr>
-          <p:nvPr>
-            <p:ph/>
-          </p:nvPr>
-        </p:nvSpPr>
+          <p:cNvPr id="2" name="Title 1">
+            <a:extLst>
+              <a:ext uri="{FF2B5EF4-FFF2-40B4-BE49-F238E27FC236}">
+                <a16:creationId xmlns:a16="http://schemas.microsoft.com/office/drawing/2014/main" id="{C03351E9-3CB9-908F-97CF-248CADCBFB63}"/>
+              </a:ext>
+            </a:extLst>
+          </p:cNvPr>
+          <p:cNvSpPr>
+            <a:spLocks noGrp="1"/>
+          </p:cNvSpPr>
+          <p:nvPr>
+            <p:ph type="title"/>
+          </p:nvPr>
+        </p:nvSpPr>
+        <p:spPr/>
+        <p:txBody>
+          <a:bodyPr>
+            <a:normAutofit/>
+          </a:bodyPr>
+          <a:lstStyle/>
+          <a:p>
+            <a:r>
+              <a:rPr lang="en-US" sz="2400" dirty="0">
+                <a:solidFill>
+                  <a:schemeClr val="bg1"/>
+                </a:solidFill>
+              </a:rPr>
+              <a:t>Z24</a:t>
+            </a:r>
+          </a:p>
+        </p:txBody>
+      </p:sp>
+      <p:sp>
+        <p:nvSpPr>
+          <p:cNvPr id="3" name="Content Placeholder 2">
+            <a:extLst>
+              <a:ext uri="{FF2B5EF4-FFF2-40B4-BE49-F238E27FC236}">
+                <a16:creationId xmlns:a16="http://schemas.microsoft.com/office/drawing/2014/main" id="{5C1E8BD8-DDA4-8B15-5A0B-9B07DEAAF0C5}"/>
+              </a:ext>
+            </a:extLst>
+          </p:cNvPr>
+          <p:cNvSpPr>
+            <a:spLocks noGrp="1"/>
+          </p:cNvSpPr>
+          <p:nvPr>
+            <p:ph idx="1"/>
+          </p:nvPr>
+        </p:nvSpPr>
+        <p:spPr/>
+        <p:txBody>
+          <a:bodyPr/>
+          <a:lstStyle/>
+          <a:p>
+            <a:pPr marL="0" indent="0">
+              <a:buNone/>
+            </a:pPr>
+            <a:endParaRPr lang="en-US" dirty="0"/>
+          </a:p>
+        </p:txBody>
+      </p:sp>
+      <p:sp>
+        <p:nvSpPr>
+          <p:cNvPr id="4" name="Text Placeholder 3">
+            <a:extLst>
+              <a:ext uri="{FF2B5EF4-FFF2-40B4-BE49-F238E27FC236}">
+                <a16:creationId xmlns:a16="http://schemas.microsoft.com/office/drawing/2014/main" id="{18F2CE79-2CA1-C544-3F26-2CA842B3F6E2}"/>
+              </a:ext>
+            </a:extLst>
+          </p:cNvPr>
+          <p:cNvSpPr>
+            <a:spLocks noGrp="1"/>
+          </p:cNvSpPr>
+          <p:nvPr>
+            <p:ph type="body" sz="half" idx="2"/>
+          </p:nvPr>
+        </p:nvSpPr>
+        <p:spPr/>
+        <p:txBody>
+          <a:bodyPr/>
+          <a:lstStyle/>
+          <a:p>
+            <a:endParaRPr lang="en-US"/>
+          </a:p>
+        </p:txBody>
+      </p:sp>
+      <p:pic>
+        <p:nvPicPr>
+          <p:cNvPr id="55" name="Picture 54">
+            <a:extLst>
+              <a:ext uri="{FF2B5EF4-FFF2-40B4-BE49-F238E27FC236}">
+                <a16:creationId xmlns:a16="http://schemas.microsoft.com/office/drawing/2014/main" id="{1776B2DF-44BD-C4C8-8525-DE2B4CAB0636}"/>
+              </a:ext>
+            </a:extLst>
+          </p:cNvPr>
+          <p:cNvPicPr/>
+          <p:nvPr/>
+        </p:nvPicPr>
+        <p:blipFill>
+          <a:blip r:embed="rId2"/>
+          <a:srcRect l="2742" t="16810" r="3977" b="3090"/>
+          <a:stretch/>
+        </p:blipFill>
         <p:spPr>
           <a:xfrm>
-            <a:off x="504000" y="1326600"/>
-            <a:ext cx="9071640" cy="3288240"/>
+            <a:off x="645585" y="804465"/>
+            <a:ext cx="8786535" cy="2862021"/>
           </a:xfrm>
           <a:prstGeom prst="rect">
             <a:avLst/>
           </a:prstGeom>
-          <a:noFill/>
           <a:ln w="0">
             <a:noFill/>
           </a:ln>
         </p:spPr>
-        <p:txBody>
-          <a:bodyPr lIns="0" tIns="0" rIns="0" bIns="0" anchor="t">
-            <a:normAutofit fontScale="51000" lnSpcReduction="10000"/>
-          </a:bodyPr>
-          <a:lstStyle/>
-          <a:p>
-            <a:pPr marL="220320" indent="-165240">
-              <a:spcBef>
-                <a:spcPts val="1417"/>
-              </a:spcBef>
-              <a:buClr>
-                <a:srgbClr val="000000"/>
-              </a:buClr>
-              <a:buSzPct val="45000"/>
-              <a:buFont typeface="Wingdings" charset="2"/>
-              <a:buChar char=""/>
-            </a:pPr>
-            <a:r>
-              <a:rPr lang="en-US" sz="3200" b="0" strike="noStrike" spc="-1">
-                <a:solidFill>
-                  <a:srgbClr val="000000"/>
-                </a:solidFill>
-                <a:latin typeface="Arial"/>
-              </a:rPr>
-              <a:t>We use HI absorption measurements to constrain the amount of cool (≈ 104 K), photoionized gas in the CGM of dwarf galaxies with M∗ = 106.5−9.5 M⊙ in the nearby Universe (z &lt; 0.3). We show analytically that volume-filling gas gives an upper limit on the gas mass needed to reproduce a given HI column density profile. We introduce a power-law density profile for the gas distribution and fit our model to archival HI observations to infer the cool CGM gas mass, McCGM, as a function of halo mass. For volume-filling (fV = 1) models, we find McCGM = 5 × 108 − 2 × 109 M⊙, constituting ≲ 10% of the halo baryon budget. For clumpy gas, with fV = 0.01, the masses are a factor of ≈ 11 lower, in agreement with our analytic approximation. Our assumption that the measured HI forms entirely in the cool CGM provides a conservative upper limit on McCGM, and possible contributions from the IGM or warm/hot CGM will further strengthen our result. We estimate the mass uncertainties due to the range of redshifts in our sample and the unknown gas metallicity to be ≈ 15% and ≈ 10%, respectively. Our results show that dwarf galaxies have only ≲ 15% of their baryon budget in stars and the cool CGM, with the rest residing in the warm/hot CGM or ejected from the dark matter halos.</a:t>
-            </a:r>
-          </a:p>
-        </p:txBody>
-      </p:sp>
-      <p:sp>
-        <p:nvSpPr>
-          <p:cNvPr id="43" name="PlaceHolder 1"/>
-          <p:cNvSpPr>
-            <a:spLocks noGrp="1"/>
-          </p:cNvSpPr>
-          <p:nvPr>
-            <p:ph type="title"/>
-          </p:nvPr>
-        </p:nvSpPr>
-        <p:spPr>
-          <a:prstGeom prst="rect">
-            <a:avLst/>
-          </a:prstGeom>
-          <a:noFill/>
-          <a:ln w="0">
-            <a:noFill/>
-          </a:ln>
-        </p:spPr>
-        <p:txBody>
-          <a:bodyPr lIns="0" tIns="0" rIns="0" bIns="0" anchor="ctr">
-            <a:noAutofit/>
-          </a:bodyPr>
-          <a:lstStyle/>
-          <a:p>
-            <a:pPr indent="0" algn="ctr">
-              <a:buNone/>
-            </a:pPr>
-            <a:r>
-              <a:rPr lang="en-US" sz="4400" b="0" strike="noStrike" spc="-1">
-                <a:solidFill>
-                  <a:srgbClr val="000000"/>
-                </a:solidFill>
-                <a:latin typeface="Arial"/>
-              </a:rPr>
-              <a:t>Abstract</a:t>
-            </a:r>
-          </a:p>
-        </p:txBody>
-      </p:sp>
+      </p:pic>
     </p:spTree>
+    <p:extLst>
+      <p:ext uri="{BB962C8B-B14F-4D97-AF65-F5344CB8AC3E}">
+        <p14:creationId xmlns:p14="http://schemas.microsoft.com/office/powerpoint/2010/main" val="411080987"/>
+      </p:ext>
+    </p:extLst>
   </p:cSld>
   <p:clrMapOvr>
     <a:masterClrMapping/>
@@ -5248,7 +6838,13 @@
   <p:cSld>
     <p:spTree>
       <p:nvGrpSpPr>
-        <p:cNvPr id="1" name=""/>
+        <p:cNvPr id="1" name="">
+          <a:extLst>
+            <a:ext uri="{FF2B5EF4-FFF2-40B4-BE49-F238E27FC236}">
+              <a16:creationId xmlns:a16="http://schemas.microsoft.com/office/drawing/2014/main" id="{7087F9F3-BC80-56C9-C69A-D4B71AD23120}"/>
+            </a:ext>
+          </a:extLst>
+        </p:cNvPr>
         <p:cNvGrpSpPr/>
         <p:nvPr/>
       </p:nvGrpSpPr>
@@ -5262,119 +6858,126 @@
       </p:grpSpPr>
       <p:sp>
         <p:nvSpPr>
-          <p:cNvPr id="46" name="PlaceHolder 2"/>
-          <p:cNvSpPr>
-            <a:spLocks noGrp="1"/>
-          </p:cNvSpPr>
-          <p:nvPr>
-            <p:ph/>
-          </p:nvPr>
-        </p:nvSpPr>
+          <p:cNvPr id="2" name="Title 1">
+            <a:extLst>
+              <a:ext uri="{FF2B5EF4-FFF2-40B4-BE49-F238E27FC236}">
+                <a16:creationId xmlns:a16="http://schemas.microsoft.com/office/drawing/2014/main" id="{325C9DC2-30E0-281E-9622-F2E84E027410}"/>
+              </a:ext>
+            </a:extLst>
+          </p:cNvPr>
+          <p:cNvSpPr>
+            <a:spLocks noGrp="1"/>
+          </p:cNvSpPr>
+          <p:nvPr>
+            <p:ph type="title"/>
+          </p:nvPr>
+        </p:nvSpPr>
+        <p:spPr/>
+        <p:txBody>
+          <a:bodyPr>
+            <a:normAutofit/>
+          </a:bodyPr>
+          <a:lstStyle/>
+          <a:p>
+            <a:r>
+              <a:rPr lang="en-US" sz="2400" dirty="0">
+                <a:solidFill>
+                  <a:schemeClr val="bg1"/>
+                </a:solidFill>
+              </a:rPr>
+              <a:t>M24</a:t>
+            </a:r>
+          </a:p>
+        </p:txBody>
+      </p:sp>
+      <p:sp>
+        <p:nvSpPr>
+          <p:cNvPr id="3" name="Content Placeholder 2">
+            <a:extLst>
+              <a:ext uri="{FF2B5EF4-FFF2-40B4-BE49-F238E27FC236}">
+                <a16:creationId xmlns:a16="http://schemas.microsoft.com/office/drawing/2014/main" id="{EF00101B-F711-32CD-F9F1-28760940C5C8}"/>
+              </a:ext>
+            </a:extLst>
+          </p:cNvPr>
+          <p:cNvSpPr>
+            <a:spLocks noGrp="1"/>
+          </p:cNvSpPr>
+          <p:nvPr>
+            <p:ph idx="1"/>
+          </p:nvPr>
+        </p:nvSpPr>
+        <p:spPr/>
+        <p:txBody>
+          <a:bodyPr/>
+          <a:lstStyle/>
+          <a:p>
+            <a:pPr marL="0" indent="0">
+              <a:buNone/>
+            </a:pPr>
+            <a:endParaRPr lang="en-US" dirty="0"/>
+          </a:p>
+        </p:txBody>
+      </p:sp>
+      <p:sp>
+        <p:nvSpPr>
+          <p:cNvPr id="4" name="Text Placeholder 3">
+            <a:extLst>
+              <a:ext uri="{FF2B5EF4-FFF2-40B4-BE49-F238E27FC236}">
+                <a16:creationId xmlns:a16="http://schemas.microsoft.com/office/drawing/2014/main" id="{CDA2D3FD-3088-FB19-5EB1-025B1F551178}"/>
+              </a:ext>
+            </a:extLst>
+          </p:cNvPr>
+          <p:cNvSpPr>
+            <a:spLocks noGrp="1"/>
+          </p:cNvSpPr>
+          <p:nvPr>
+            <p:ph type="body" sz="half" idx="2"/>
+          </p:nvPr>
+        </p:nvSpPr>
+        <p:spPr/>
+        <p:txBody>
+          <a:bodyPr/>
+          <a:lstStyle/>
+          <a:p>
+            <a:endParaRPr lang="en-US"/>
+          </a:p>
+        </p:txBody>
+      </p:sp>
+      <p:pic>
+        <p:nvPicPr>
+          <p:cNvPr id="5" name="Picture 4">
+            <a:extLst>
+              <a:ext uri="{FF2B5EF4-FFF2-40B4-BE49-F238E27FC236}">
+                <a16:creationId xmlns:a16="http://schemas.microsoft.com/office/drawing/2014/main" id="{B5AC5C7E-BC3E-2159-C509-5A6F56948064}"/>
+              </a:ext>
+            </a:extLst>
+          </p:cNvPr>
+          <p:cNvPicPr>
+            <a:picLocks noChangeAspect="1"/>
+          </p:cNvPicPr>
+          <p:nvPr/>
+        </p:nvPicPr>
+        <p:blipFill>
+          <a:blip r:embed="rId2"/>
+          <a:srcRect l="2344" t="2745" r="2342"/>
+          <a:stretch/>
+        </p:blipFill>
         <p:spPr>
           <a:xfrm>
-            <a:off x="504000" y="1326600"/>
-            <a:ext cx="9071640" cy="3288240"/>
+            <a:off x="2763864" y="497103"/>
+            <a:ext cx="3853912" cy="3647616"/>
           </a:xfrm>
           <a:prstGeom prst="rect">
             <a:avLst/>
           </a:prstGeom>
-          <a:noFill/>
-          <a:ln w="0">
-            <a:noFill/>
-          </a:ln>
         </p:spPr>
-        <p:txBody>
-          <a:bodyPr lIns="0" tIns="0" rIns="0" bIns="0" anchor="t">
-            <a:normAutofit fontScale="70000" lnSpcReduction="10000"/>
-          </a:bodyPr>
-          <a:lstStyle/>
-          <a:p>
-            <a:pPr marL="302400" indent="-226800">
-              <a:spcBef>
-                <a:spcPts val="1417"/>
-              </a:spcBef>
-              <a:buClr>
-                <a:srgbClr val="000000"/>
-              </a:buClr>
-              <a:buSzPct val="45000"/>
-              <a:buFont typeface="Wingdings" charset="2"/>
-              <a:buChar char=""/>
-            </a:pPr>
-            <a:r>
-              <a:rPr lang="en-US" sz="3200" b="0" strike="noStrike" spc="-1">
-                <a:solidFill>
-                  <a:srgbClr val="000000"/>
-                </a:solidFill>
-                <a:latin typeface="Arial"/>
-              </a:rPr>
-              <a:t>Z24</a:t>
-            </a:r>
-          </a:p>
-          <a:p>
-            <a:pPr marL="604800" lvl="1" indent="-226800">
-              <a:spcBef>
-                <a:spcPts val="1134"/>
-              </a:spcBef>
-              <a:buClr>
-                <a:srgbClr val="000000"/>
-              </a:buClr>
-              <a:buSzPct val="75000"/>
-              <a:buFont typeface="Symbol" charset="2"/>
-              <a:buChar char=""/>
-            </a:pPr>
-            <a:r>
-              <a:rPr lang="en-US" sz="2800" b="0" strike="noStrike" spc="-1">
-                <a:solidFill>
-                  <a:srgbClr val="000000"/>
-                </a:solidFill>
-                <a:latin typeface="Arial"/>
-              </a:rPr>
-              <a:t> the following, we refer to our data sample as the full sample (see Table 1), which comprises 56 dwarf-QSO pairs that include: (i) 22 new pairs either from our recent HST programs (#HST-GO-15156, PI Zheng; #HST-GO-15227, PI Burchett; #HST-GO-16301, PI Putman)11,12,13 or a thorough search of the Barbara A. Mikulski Archive for Space Telescopes (MAST) for available QSOs (Section 2.1), and (ii) 34 additional pairs compiled from existing literature (Section 2.2). The full sample is highlighted as filled symbols in Figure 1 and tabulated in Tables 2–3. Overall in this work we probe a unique parameter space of low stellar mass (M* = 10 6.5–9.5) and small impact parameter (b/R200m = 0.05–1.0</a:t>
-            </a:r>
-          </a:p>
-        </p:txBody>
-      </p:sp>
-      <p:sp>
-        <p:nvSpPr>
-          <p:cNvPr id="45" name="PlaceHolder 1"/>
-          <p:cNvSpPr>
-            <a:spLocks noGrp="1"/>
-          </p:cNvSpPr>
-          <p:nvPr>
-            <p:ph type="title"/>
-          </p:nvPr>
-        </p:nvSpPr>
-        <p:spPr>
-          <a:prstGeom prst="rect">
-            <a:avLst/>
-          </a:prstGeom>
-          <a:noFill/>
-          <a:ln w="0">
-            <a:noFill/>
-          </a:ln>
-        </p:spPr>
-        <p:txBody>
-          <a:bodyPr lIns="0" tIns="0" rIns="0" bIns="0" anchor="ctr">
-            <a:noAutofit/>
-          </a:bodyPr>
-          <a:lstStyle/>
-          <a:p>
-            <a:pPr indent="0" algn="ctr">
-              <a:buNone/>
-            </a:pPr>
-            <a:r>
-              <a:rPr lang="en-US" sz="4400" b="0" strike="noStrike" spc="-1">
-                <a:solidFill>
-                  <a:srgbClr val="000000"/>
-                </a:solidFill>
-                <a:latin typeface="Arial"/>
-              </a:rPr>
-              <a:t>Observations</a:t>
-            </a:r>
-          </a:p>
-        </p:txBody>
-      </p:sp>
+      </p:pic>
     </p:spTree>
+    <p:extLst>
+      <p:ext uri="{BB962C8B-B14F-4D97-AF65-F5344CB8AC3E}">
+        <p14:creationId xmlns:p14="http://schemas.microsoft.com/office/powerpoint/2010/main" val="1819453471"/>
+      </p:ext>
+    </p:extLst>
   </p:cSld>
   <p:clrMapOvr>
     <a:masterClrMapping/>
@@ -5401,120 +7004,196 @@
       </p:grpSpPr>
       <p:sp>
         <p:nvSpPr>
-          <p:cNvPr id="48" name="PlaceHolder 2"/>
-          <p:cNvSpPr>
-            <a:spLocks noGrp="1"/>
-          </p:cNvSpPr>
-          <p:nvPr>
-            <p:ph/>
-          </p:nvPr>
-        </p:nvSpPr>
+          <p:cNvPr id="2" name="Title 1">
+            <a:extLst>
+              <a:ext uri="{FF2B5EF4-FFF2-40B4-BE49-F238E27FC236}">
+                <a16:creationId xmlns:a16="http://schemas.microsoft.com/office/drawing/2014/main" id="{5C9F0869-6FBD-D345-353D-53080990312F}"/>
+              </a:ext>
+            </a:extLst>
+          </p:cNvPr>
+          <p:cNvSpPr>
+            <a:spLocks noGrp="1"/>
+          </p:cNvSpPr>
+          <p:nvPr>
+            <p:ph type="title"/>
+          </p:nvPr>
+        </p:nvSpPr>
+        <p:spPr/>
+        <p:txBody>
+          <a:bodyPr/>
+          <a:lstStyle/>
+          <a:p>
+            <a:r>
+              <a:rPr lang="en-US" dirty="0"/>
+              <a:t>model</a:t>
+            </a:r>
+          </a:p>
+        </p:txBody>
+      </p:sp>
+      <p:sp>
+        <p:nvSpPr>
+          <p:cNvPr id="3" name="Content Placeholder 2">
+            <a:extLst>
+              <a:ext uri="{FF2B5EF4-FFF2-40B4-BE49-F238E27FC236}">
+                <a16:creationId xmlns:a16="http://schemas.microsoft.com/office/drawing/2014/main" id="{2F313981-89CC-79EE-62E6-D3F313246403}"/>
+              </a:ext>
+            </a:extLst>
+          </p:cNvPr>
+          <p:cNvSpPr>
+            <a:spLocks noGrp="1"/>
+          </p:cNvSpPr>
+          <p:nvPr>
+            <p:ph idx="1"/>
+          </p:nvPr>
+        </p:nvSpPr>
+        <p:spPr/>
+        <p:txBody>
+          <a:bodyPr>
+            <a:normAutofit/>
+          </a:bodyPr>
+          <a:lstStyle/>
+          <a:p>
+            <a:r>
+              <a:rPr lang="en-US" dirty="0"/>
+              <a:t>Detailed model</a:t>
+            </a:r>
+          </a:p>
+          <a:p>
+            <a:pPr lvl="1"/>
+            <a:r>
+              <a:rPr lang="en-US" dirty="0"/>
+              <a:t>Assume power-law distribution of gas density as function of radial distance</a:t>
+            </a:r>
+          </a:p>
+          <a:p>
+            <a:pPr lvl="1"/>
+            <a:r>
+              <a:rPr lang="en-US" dirty="0"/>
+              <a:t>Only use observations from 0.1 to 1 R</a:t>
+            </a:r>
+            <a:r>
+              <a:rPr lang="en-US" baseline="-25000" dirty="0"/>
+              <a:t>200m</a:t>
+            </a:r>
+          </a:p>
+          <a:p>
+            <a:pPr lvl="1"/>
+            <a:r>
+              <a:rPr lang="en-US" dirty="0"/>
+              <a:t>Assume gas in in thermal equilibrium with UVB with non-constant temperature</a:t>
+            </a:r>
+          </a:p>
+          <a:p>
+            <a:pPr lvl="1"/>
+            <a:r>
+              <a:rPr lang="en-US" dirty="0"/>
+              <a:t>Assume constant (Z = 0.3) metallicity</a:t>
+            </a:r>
+          </a:p>
+          <a:p>
+            <a:pPr lvl="1"/>
+            <a:r>
+              <a:rPr lang="en-US" dirty="0"/>
+              <a:t>Assume constant volume filling fraction</a:t>
+            </a:r>
+          </a:p>
+          <a:p>
+            <a:pPr lvl="1"/>
+            <a:r>
+              <a:rPr lang="en-US" dirty="0"/>
+              <a:t>Assume all H1 absorption originates in CGM</a:t>
+            </a:r>
+          </a:p>
+          <a:p>
+            <a:r>
+              <a:rPr lang="en-US" dirty="0"/>
+              <a:t>Use CLOUDY to calculate neutral H fraction and </a:t>
+            </a:r>
+            <a:r>
+              <a:rPr lang="en-US" dirty="0" err="1"/>
+              <a:t>T</a:t>
+            </a:r>
+            <a:r>
+              <a:rPr lang="en-US" baseline="-25000" dirty="0" err="1"/>
+              <a:t>eq</a:t>
+            </a:r>
+            <a:endParaRPr lang="en-US" baseline="-25000" dirty="0"/>
+          </a:p>
+          <a:p>
+            <a:pPr lvl="1"/>
+            <a:r>
+              <a:rPr lang="en-US" dirty="0"/>
+              <a:t>Calculate H1 column density as a function of impact parameter</a:t>
+            </a:r>
+          </a:p>
+        </p:txBody>
+      </p:sp>
+      <p:pic>
+        <p:nvPicPr>
+          <p:cNvPr id="11" name="Picture 10">
+            <a:extLst>
+              <a:ext uri="{FF2B5EF4-FFF2-40B4-BE49-F238E27FC236}">
+                <a16:creationId xmlns:a16="http://schemas.microsoft.com/office/drawing/2014/main" id="{558523C3-6432-CCF8-521D-CFF3F0FDFA04}"/>
+              </a:ext>
+            </a:extLst>
+          </p:cNvPr>
+          <p:cNvPicPr>
+            <a:picLocks noChangeAspect="1"/>
+          </p:cNvPicPr>
+          <p:nvPr/>
+        </p:nvPicPr>
+        <p:blipFill>
+          <a:blip r:embed="rId3"/>
+          <a:stretch>
+            <a:fillRect/>
+          </a:stretch>
+        </p:blipFill>
         <p:spPr>
           <a:xfrm>
-            <a:off x="504000" y="1326600"/>
-            <a:ext cx="9071640" cy="3288240"/>
+            <a:off x="6035064" y="3583763"/>
+            <a:ext cx="3672506" cy="509455"/>
           </a:xfrm>
           <a:prstGeom prst="rect">
             <a:avLst/>
           </a:prstGeom>
-          <a:noFill/>
-          <a:ln w="0">
-            <a:noFill/>
-          </a:ln>
         </p:spPr>
-        <p:txBody>
-          <a:bodyPr lIns="0" tIns="0" rIns="0" bIns="0" anchor="t">
-            <a:normAutofit/>
-          </a:bodyPr>
-          <a:lstStyle/>
-          <a:p>
-            <a:pPr marL="432000" indent="-324000">
-              <a:spcBef>
-                <a:spcPts val="1417"/>
-              </a:spcBef>
-              <a:buClr>
-                <a:srgbClr val="000000"/>
-              </a:buClr>
-              <a:buSzPct val="45000"/>
-              <a:buFont typeface="Wingdings" charset="2"/>
-              <a:buChar char=""/>
-            </a:pPr>
-            <a:r>
-              <a:rPr lang="en-US" sz="3200" b="0" strike="noStrike" spc="-1">
-                <a:solidFill>
-                  <a:srgbClr val="000000"/>
-                </a:solidFill>
-                <a:latin typeface="Arial"/>
-              </a:rPr>
-              <a:t>Z24</a:t>
-            </a:r>
-          </a:p>
-        </p:txBody>
-      </p:sp>
-      <p:sp>
-        <p:nvSpPr>
-          <p:cNvPr id="47" name="PlaceHolder 1"/>
-          <p:cNvSpPr>
-            <a:spLocks noGrp="1"/>
-          </p:cNvSpPr>
-          <p:nvPr>
-            <p:ph type="title"/>
-          </p:nvPr>
-        </p:nvSpPr>
-        <p:spPr>
-          <a:prstGeom prst="rect">
-            <a:avLst/>
-          </a:prstGeom>
-          <a:noFill/>
-          <a:ln w="0">
-            <a:noFill/>
-          </a:ln>
-        </p:spPr>
-        <p:txBody>
-          <a:bodyPr lIns="0" tIns="0" rIns="0" bIns="0" anchor="ctr">
-            <a:noAutofit/>
-          </a:bodyPr>
-          <a:lstStyle/>
-          <a:p>
-            <a:pPr indent="0" algn="ctr">
-              <a:buNone/>
-            </a:pPr>
-            <a:r>
-              <a:rPr lang="en-US" sz="4400" b="0" strike="noStrike" spc="-1">
-                <a:solidFill>
-                  <a:srgbClr val="000000"/>
-                </a:solidFill>
-                <a:latin typeface="Arial"/>
-              </a:rPr>
-              <a:t>Observations</a:t>
-            </a:r>
-          </a:p>
-        </p:txBody>
-      </p:sp>
+      </p:pic>
       <p:pic>
         <p:nvPicPr>
-          <p:cNvPr id="49" name="Picture 48"/>
-          <p:cNvPicPr/>
+          <p:cNvPr id="13" name="Picture 12">
+            <a:extLst>
+              <a:ext uri="{FF2B5EF4-FFF2-40B4-BE49-F238E27FC236}">
+                <a16:creationId xmlns:a16="http://schemas.microsoft.com/office/drawing/2014/main" id="{2CB97801-2931-E402-75C5-ED766ECAFFFA}"/>
+              </a:ext>
+            </a:extLst>
+          </p:cNvPr>
+          <p:cNvPicPr>
+            <a:picLocks noChangeAspect="1"/>
+          </p:cNvPicPr>
           <p:nvPr/>
         </p:nvPicPr>
         <p:blipFill>
-          <a:blip r:embed="rId2"/>
-          <a:stretch/>
+          <a:blip r:embed="rId4"/>
+          <a:stretch>
+            <a:fillRect/>
+          </a:stretch>
         </p:blipFill>
         <p:spPr>
           <a:xfrm>
-            <a:off x="1371600" y="1919160"/>
-            <a:ext cx="7178040" cy="3110040"/>
+            <a:off x="6280417" y="4107937"/>
+            <a:ext cx="3388907" cy="866507"/>
           </a:xfrm>
           <a:prstGeom prst="rect">
             <a:avLst/>
           </a:prstGeom>
-          <a:ln w="0">
-            <a:noFill/>
-          </a:ln>
         </p:spPr>
       </p:pic>
     </p:spTree>
+    <p:extLst>
+      <p:ext uri="{BB962C8B-B14F-4D97-AF65-F5344CB8AC3E}">
+        <p14:creationId xmlns:p14="http://schemas.microsoft.com/office/powerpoint/2010/main" val="3431831971"/>
+      </p:ext>
+    </p:extLst>
   </p:cSld>
   <p:clrMapOvr>
     <a:masterClrMapping/>
@@ -5541,120 +7220,120 @@
       </p:grpSpPr>
       <p:sp>
         <p:nvSpPr>
-          <p:cNvPr id="51" name="PlaceHolder 2"/>
-          <p:cNvSpPr>
-            <a:spLocks noGrp="1"/>
-          </p:cNvSpPr>
-          <p:nvPr>
-            <p:ph/>
+          <p:cNvPr id="2" name="Title 1">
+            <a:extLst>
+              <a:ext uri="{FF2B5EF4-FFF2-40B4-BE49-F238E27FC236}">
+                <a16:creationId xmlns:a16="http://schemas.microsoft.com/office/drawing/2014/main" id="{3DC0E838-A39A-C8CB-378E-C53406350EE2}"/>
+              </a:ext>
+            </a:extLst>
+          </p:cNvPr>
+          <p:cNvSpPr>
+            <a:spLocks noGrp="1"/>
+          </p:cNvSpPr>
+          <p:nvPr>
+            <p:ph type="title"/>
+          </p:nvPr>
+        </p:nvSpPr>
+        <p:spPr/>
+        <p:txBody>
+          <a:bodyPr/>
+          <a:lstStyle/>
+          <a:p>
+            <a:r>
+              <a:rPr lang="en-US" dirty="0"/>
+              <a:t>Fits</a:t>
+            </a:r>
+          </a:p>
+        </p:txBody>
+      </p:sp>
+      <p:sp>
+        <p:nvSpPr>
+          <p:cNvPr id="3" name="Content Placeholder 2">
+            <a:extLst>
+              <a:ext uri="{FF2B5EF4-FFF2-40B4-BE49-F238E27FC236}">
+                <a16:creationId xmlns:a16="http://schemas.microsoft.com/office/drawing/2014/main" id="{9D32C9AD-8424-D4B4-501C-A60801B75787}"/>
+              </a:ext>
+            </a:extLst>
+          </p:cNvPr>
+          <p:cNvSpPr>
+            <a:spLocks noGrp="1"/>
+          </p:cNvSpPr>
+          <p:nvPr>
+            <p:ph idx="1"/>
           </p:nvPr>
         </p:nvSpPr>
         <p:spPr>
           <a:xfrm>
-            <a:off x="504000" y="1326600"/>
-            <a:ext cx="9071640" cy="3288240"/>
+            <a:off x="480544" y="1802947"/>
+            <a:ext cx="3399199" cy="3041412"/>
+          </a:xfrm>
+        </p:spPr>
+        <p:txBody>
+          <a:bodyPr/>
+          <a:lstStyle/>
+          <a:p>
+            <a:r>
+              <a:rPr lang="en-US" dirty="0"/>
+              <a:t>Fit by fixing filling factor</a:t>
+            </a:r>
+          </a:p>
+          <a:p>
+            <a:r>
+              <a:rPr lang="en-US" dirty="0"/>
+              <a:t>Clumpy gas reproduces column densities with ~11x lower masses</a:t>
+            </a:r>
+          </a:p>
+          <a:p>
+            <a:pPr lvl="1"/>
+            <a:r>
+              <a:rPr lang="en-US" dirty="0"/>
+              <a:t>Higher density</a:t>
+            </a:r>
+          </a:p>
+          <a:p>
+            <a:pPr lvl="1"/>
+            <a:r>
+              <a:rPr lang="en-US" dirty="0"/>
+              <a:t>Higher neutral fraction</a:t>
+            </a:r>
+          </a:p>
+        </p:txBody>
+      </p:sp>
+      <p:pic>
+        <p:nvPicPr>
+          <p:cNvPr id="6" name="Picture 5">
+            <a:extLst>
+              <a:ext uri="{FF2B5EF4-FFF2-40B4-BE49-F238E27FC236}">
+                <a16:creationId xmlns:a16="http://schemas.microsoft.com/office/drawing/2014/main" id="{9A4A3DB3-0CD9-EE09-6F99-C7DE866C071D}"/>
+              </a:ext>
+            </a:extLst>
+          </p:cNvPr>
+          <p:cNvPicPr>
+            <a:picLocks noChangeAspect="1"/>
+          </p:cNvPicPr>
+          <p:nvPr/>
+        </p:nvPicPr>
+        <p:blipFill>
+          <a:blip r:embed="rId3"/>
+          <a:srcRect l="3099" t="3255" r="2304" b="3227"/>
+          <a:stretch/>
+        </p:blipFill>
+        <p:spPr>
+          <a:xfrm>
+            <a:off x="3797086" y="580579"/>
+            <a:ext cx="5858358" cy="5011776"/>
           </a:xfrm>
           <a:prstGeom prst="rect">
             <a:avLst/>
           </a:prstGeom>
-          <a:noFill/>
-          <a:ln w="0">
-            <a:noFill/>
-          </a:ln>
-        </p:spPr>
-        <p:txBody>
-          <a:bodyPr lIns="0" tIns="0" rIns="0" bIns="0" anchor="t">
-            <a:normAutofit/>
-          </a:bodyPr>
-          <a:lstStyle/>
-          <a:p>
-            <a:pPr marL="432000" indent="-324000">
-              <a:spcBef>
-                <a:spcPts val="1417"/>
-              </a:spcBef>
-              <a:buClr>
-                <a:srgbClr val="000000"/>
-              </a:buClr>
-              <a:buSzPct val="45000"/>
-              <a:buFont typeface="Wingdings" charset="2"/>
-              <a:buChar char=""/>
-            </a:pPr>
-            <a:r>
-              <a:rPr lang="en-US" sz="3200" b="0" strike="noStrike" spc="-1">
-                <a:solidFill>
-                  <a:srgbClr val="000000"/>
-                </a:solidFill>
-                <a:latin typeface="Arial"/>
-              </a:rPr>
-              <a:t>Z24</a:t>
-            </a:r>
-          </a:p>
-        </p:txBody>
-      </p:sp>
-      <p:sp>
-        <p:nvSpPr>
-          <p:cNvPr id="50" name="PlaceHolder 1"/>
-          <p:cNvSpPr>
-            <a:spLocks noGrp="1"/>
-          </p:cNvSpPr>
-          <p:nvPr>
-            <p:ph type="title"/>
-          </p:nvPr>
-        </p:nvSpPr>
-        <p:spPr>
-          <a:prstGeom prst="rect">
-            <a:avLst/>
-          </a:prstGeom>
-          <a:noFill/>
-          <a:ln w="0">
-            <a:noFill/>
-          </a:ln>
-        </p:spPr>
-        <p:txBody>
-          <a:bodyPr lIns="0" tIns="0" rIns="0" bIns="0" anchor="ctr">
-            <a:noAutofit/>
-          </a:bodyPr>
-          <a:lstStyle/>
-          <a:p>
-            <a:pPr indent="0" algn="ctr">
-              <a:buNone/>
-            </a:pPr>
-            <a:r>
-              <a:rPr lang="en-US" sz="4400" b="0" strike="noStrike" spc="-1">
-                <a:solidFill>
-                  <a:srgbClr val="000000"/>
-                </a:solidFill>
-                <a:latin typeface="Arial"/>
-              </a:rPr>
-              <a:t>Observations</a:t>
-            </a:r>
-          </a:p>
-        </p:txBody>
-      </p:sp>
-      <p:pic>
-        <p:nvPicPr>
-          <p:cNvPr id="52" name="Picture 51"/>
-          <p:cNvPicPr/>
-          <p:nvPr/>
-        </p:nvPicPr>
-        <p:blipFill>
-          <a:blip r:embed="rId2"/>
-          <a:stretch/>
-        </p:blipFill>
-        <p:spPr>
-          <a:xfrm>
-            <a:off x="2230200" y="1143000"/>
-            <a:ext cx="5999400" cy="4136400"/>
-          </a:xfrm>
-          <a:prstGeom prst="rect">
-            <a:avLst/>
-          </a:prstGeom>
-          <a:ln w="0">
-            <a:noFill/>
-          </a:ln>
         </p:spPr>
       </p:pic>
     </p:spTree>
+    <p:extLst>
+      <p:ext uri="{BB962C8B-B14F-4D97-AF65-F5344CB8AC3E}">
+        <p14:creationId xmlns:p14="http://schemas.microsoft.com/office/powerpoint/2010/main" val="561504032"/>
+      </p:ext>
+    </p:extLst>
   </p:cSld>
   <p:clrMapOvr>
     <a:masterClrMapping/>
@@ -5681,120 +7360,114 @@
       </p:grpSpPr>
       <p:sp>
         <p:nvSpPr>
-          <p:cNvPr id="54" name="PlaceHolder 2"/>
-          <p:cNvSpPr>
-            <a:spLocks noGrp="1"/>
-          </p:cNvSpPr>
-          <p:nvPr>
-            <p:ph/>
+          <p:cNvPr id="2" name="Title 1">
+            <a:extLst>
+              <a:ext uri="{FF2B5EF4-FFF2-40B4-BE49-F238E27FC236}">
+                <a16:creationId xmlns:a16="http://schemas.microsoft.com/office/drawing/2014/main" id="{89BB72A8-CE08-9F21-2892-7AA5FCA8E14F}"/>
+              </a:ext>
+            </a:extLst>
+          </p:cNvPr>
+          <p:cNvSpPr>
+            <a:spLocks noGrp="1"/>
+          </p:cNvSpPr>
+          <p:nvPr>
+            <p:ph type="title"/>
+          </p:nvPr>
+        </p:nvSpPr>
+        <p:spPr/>
+        <p:txBody>
+          <a:bodyPr/>
+          <a:lstStyle/>
+          <a:p>
+            <a:r>
+              <a:rPr lang="en-US" dirty="0"/>
+              <a:t>results</a:t>
+            </a:r>
+          </a:p>
+        </p:txBody>
+      </p:sp>
+      <p:sp>
+        <p:nvSpPr>
+          <p:cNvPr id="3" name="Content Placeholder 2">
+            <a:extLst>
+              <a:ext uri="{FF2B5EF4-FFF2-40B4-BE49-F238E27FC236}">
+                <a16:creationId xmlns:a16="http://schemas.microsoft.com/office/drawing/2014/main" id="{11424CD5-5A5A-BB68-FA6B-B35370DCA1F2}"/>
+              </a:ext>
+            </a:extLst>
+          </p:cNvPr>
+          <p:cNvSpPr>
+            <a:spLocks noGrp="1"/>
+          </p:cNvSpPr>
+          <p:nvPr>
+            <p:ph idx="1"/>
           </p:nvPr>
         </p:nvSpPr>
         <p:spPr>
           <a:xfrm>
-            <a:off x="504000" y="1326600"/>
-            <a:ext cx="9071640" cy="3288240"/>
+            <a:off x="480544" y="1802947"/>
+            <a:ext cx="5124676" cy="3041412"/>
+          </a:xfrm>
+        </p:spPr>
+        <p:txBody>
+          <a:bodyPr/>
+          <a:lstStyle/>
+          <a:p>
+            <a:r>
+              <a:rPr lang="en-US" dirty="0"/>
+              <a:t>Find 5-10% of cosmological baryon budgets of the DM halos  lies in cool CGM</a:t>
+            </a:r>
+          </a:p>
+          <a:p>
+            <a:pPr lvl="1"/>
+            <a:r>
+              <a:rPr lang="en-US" dirty="0"/>
+              <a:t>Represents upper limits</a:t>
+            </a:r>
+          </a:p>
+          <a:p>
+            <a:pPr lvl="1"/>
+            <a:r>
+              <a:rPr lang="en-US" dirty="0"/>
+              <a:t>Models with spatially varying filling factor and neutral fraction are consistent</a:t>
+            </a:r>
+          </a:p>
+        </p:txBody>
+      </p:sp>
+      <p:pic>
+        <p:nvPicPr>
+          <p:cNvPr id="7" name="Picture 6">
+            <a:extLst>
+              <a:ext uri="{FF2B5EF4-FFF2-40B4-BE49-F238E27FC236}">
+                <a16:creationId xmlns:a16="http://schemas.microsoft.com/office/drawing/2014/main" id="{FE2982F5-8718-50A7-6C52-F557AD21A51F}"/>
+              </a:ext>
+            </a:extLst>
+          </p:cNvPr>
+          <p:cNvPicPr>
+            <a:picLocks noChangeAspect="1"/>
+          </p:cNvPicPr>
+          <p:nvPr/>
+        </p:nvPicPr>
+        <p:blipFill>
+          <a:blip r:embed="rId3"/>
+          <a:srcRect t="2329" r="1687" b="1904"/>
+          <a:stretch/>
+        </p:blipFill>
+        <p:spPr>
+          <a:xfrm>
+            <a:off x="5884190" y="583769"/>
+            <a:ext cx="3762385" cy="5002867"/>
           </a:xfrm>
           <a:prstGeom prst="rect">
             <a:avLst/>
           </a:prstGeom>
-          <a:noFill/>
-          <a:ln w="0">
-            <a:noFill/>
-          </a:ln>
-        </p:spPr>
-        <p:txBody>
-          <a:bodyPr lIns="0" tIns="0" rIns="0" bIns="0" anchor="t">
-            <a:normAutofit/>
-          </a:bodyPr>
-          <a:lstStyle/>
-          <a:p>
-            <a:pPr marL="432000" indent="-324000">
-              <a:spcBef>
-                <a:spcPts val="1417"/>
-              </a:spcBef>
-              <a:buClr>
-                <a:srgbClr val="000000"/>
-              </a:buClr>
-              <a:buSzPct val="45000"/>
-              <a:buFont typeface="Wingdings" charset="2"/>
-              <a:buChar char=""/>
-            </a:pPr>
-            <a:r>
-              <a:rPr lang="en-US" sz="3200" b="0" strike="noStrike" spc="-1">
-                <a:solidFill>
-                  <a:srgbClr val="000000"/>
-                </a:solidFill>
-                <a:latin typeface="Arial"/>
-              </a:rPr>
-              <a:t>Z24</a:t>
-            </a:r>
-          </a:p>
-        </p:txBody>
-      </p:sp>
-      <p:sp>
-        <p:nvSpPr>
-          <p:cNvPr id="53" name="PlaceHolder 1"/>
-          <p:cNvSpPr>
-            <a:spLocks noGrp="1"/>
-          </p:cNvSpPr>
-          <p:nvPr>
-            <p:ph type="title"/>
-          </p:nvPr>
-        </p:nvSpPr>
-        <p:spPr>
-          <a:prstGeom prst="rect">
-            <a:avLst/>
-          </a:prstGeom>
-          <a:noFill/>
-          <a:ln w="0">
-            <a:noFill/>
-          </a:ln>
-        </p:spPr>
-        <p:txBody>
-          <a:bodyPr lIns="0" tIns="0" rIns="0" bIns="0" anchor="ctr">
-            <a:noAutofit/>
-          </a:bodyPr>
-          <a:lstStyle/>
-          <a:p>
-            <a:pPr indent="0" algn="ctr">
-              <a:buNone/>
-            </a:pPr>
-            <a:r>
-              <a:rPr lang="en-US" sz="4400" b="0" strike="noStrike" spc="-1">
-                <a:solidFill>
-                  <a:srgbClr val="000000"/>
-                </a:solidFill>
-                <a:latin typeface="Arial"/>
-              </a:rPr>
-              <a:t>Observations</a:t>
-            </a:r>
-          </a:p>
-        </p:txBody>
-      </p:sp>
-      <p:pic>
-        <p:nvPicPr>
-          <p:cNvPr id="55" name="Picture 54"/>
-          <p:cNvPicPr/>
-          <p:nvPr/>
-        </p:nvPicPr>
-        <p:blipFill>
-          <a:blip r:embed="rId2"/>
-          <a:stretch/>
-        </p:blipFill>
-        <p:spPr>
-          <a:xfrm>
-            <a:off x="1828800" y="1828800"/>
-            <a:ext cx="7930800" cy="3080520"/>
-          </a:xfrm>
-          <a:prstGeom prst="rect">
-            <a:avLst/>
-          </a:prstGeom>
-          <a:ln w="0">
-            <a:noFill/>
-          </a:ln>
         </p:spPr>
       </p:pic>
     </p:spTree>
+    <p:extLst>
+      <p:ext uri="{BB962C8B-B14F-4D97-AF65-F5344CB8AC3E}">
+        <p14:creationId xmlns:p14="http://schemas.microsoft.com/office/powerpoint/2010/main" val="2823865825"/>
+      </p:ext>
+    </p:extLst>
   </p:cSld>
   <p:clrMapOvr>
     <a:masterClrMapping/>
@@ -5821,59 +7494,13 @@
       </p:grpSpPr>
       <p:sp>
         <p:nvSpPr>
-          <p:cNvPr id="57" name="PlaceHolder 2"/>
-          <p:cNvSpPr>
-            <a:spLocks noGrp="1"/>
-          </p:cNvSpPr>
-          <p:nvPr>
-            <p:ph/>
-          </p:nvPr>
-        </p:nvSpPr>
-        <p:spPr>
-          <a:xfrm>
-            <a:off x="504000" y="1326600"/>
-            <a:ext cx="9071640" cy="3288240"/>
-          </a:xfrm>
-          <a:prstGeom prst="rect">
-            <a:avLst/>
-          </a:prstGeom>
-          <a:noFill/>
-          <a:ln w="0">
-            <a:noFill/>
-          </a:ln>
-        </p:spPr>
-        <p:txBody>
-          <a:bodyPr lIns="0" tIns="0" rIns="0" bIns="0" anchor="t">
-            <a:normAutofit/>
-          </a:bodyPr>
-          <a:lstStyle/>
-          <a:p>
-            <a:pPr marL="432000" indent="-324000">
-              <a:spcBef>
-                <a:spcPts val="1417"/>
-              </a:spcBef>
-              <a:buClr>
-                <a:srgbClr val="000000"/>
-              </a:buClr>
-              <a:buSzPct val="45000"/>
-              <a:buFont typeface="Wingdings" charset="2"/>
-              <a:buChar char=""/>
-            </a:pPr>
-            <a:r>
-              <a:rPr lang="en-US" sz="3200" b="0" strike="noStrike" spc="-1">
-                <a:solidFill>
-                  <a:srgbClr val="000000"/>
-                </a:solidFill>
-                <a:latin typeface="Arial"/>
-              </a:rPr>
-              <a:t>M24</a:t>
-            </a:r>
-          </a:p>
-        </p:txBody>
-      </p:sp>
-      <p:sp>
-        <p:nvSpPr>
-          <p:cNvPr id="56" name="PlaceHolder 1"/>
+          <p:cNvPr id="5" name="Title 4">
+            <a:extLst>
+              <a:ext uri="{FF2B5EF4-FFF2-40B4-BE49-F238E27FC236}">
+                <a16:creationId xmlns:a16="http://schemas.microsoft.com/office/drawing/2014/main" id="{8FFBFFF7-B8DC-9890-D9B4-9A391CD8FBE0}"/>
+              </a:ext>
+            </a:extLst>
+          </p:cNvPr>
           <p:cNvSpPr>
             <a:spLocks noGrp="1"/>
           </p:cNvSpPr>
@@ -5881,37 +7508,235 @@
             <p:ph type="title"/>
           </p:nvPr>
         </p:nvSpPr>
-        <p:spPr>
-          <a:prstGeom prst="rect">
-            <a:avLst/>
-          </a:prstGeom>
-          <a:noFill/>
-          <a:ln w="0">
-            <a:noFill/>
-          </a:ln>
-        </p:spPr>
-        <p:txBody>
-          <a:bodyPr lIns="0" tIns="0" rIns="0" bIns="0" anchor="ctr">
-            <a:noAutofit/>
-          </a:bodyPr>
-          <a:lstStyle/>
-          <a:p>
-            <a:pPr indent="0" algn="ctr">
-              <a:buNone/>
-            </a:pPr>
-            <a:r>
-              <a:rPr lang="en-US" sz="4400" b="0" strike="noStrike" spc="-1">
-                <a:solidFill>
-                  <a:srgbClr val="000000"/>
-                </a:solidFill>
-                <a:latin typeface="Arial"/>
-              </a:rPr>
-              <a:t>Observations</a:t>
+        <p:spPr/>
+        <p:txBody>
+          <a:bodyPr/>
+          <a:lstStyle/>
+          <a:p>
+            <a:r>
+              <a:rPr lang="en-US" dirty="0"/>
+              <a:t>Comparison to massive halos</a:t>
+            </a:r>
+          </a:p>
+        </p:txBody>
+      </p:sp>
+      <p:sp>
+        <p:nvSpPr>
+          <p:cNvPr id="6" name="Text Placeholder 5">
+            <a:extLst>
+              <a:ext uri="{FF2B5EF4-FFF2-40B4-BE49-F238E27FC236}">
+                <a16:creationId xmlns:a16="http://schemas.microsoft.com/office/drawing/2014/main" id="{DABC9BBD-F7F2-DF85-2CE2-A4CAE6F11696}"/>
+              </a:ext>
+            </a:extLst>
+          </p:cNvPr>
+          <p:cNvSpPr>
+            <a:spLocks noGrp="1"/>
+          </p:cNvSpPr>
+          <p:nvPr>
+            <p:ph type="body" idx="1"/>
+          </p:nvPr>
+        </p:nvSpPr>
+        <p:spPr/>
+        <p:txBody>
+          <a:bodyPr/>
+          <a:lstStyle/>
+          <a:p>
+            <a:r>
+              <a:rPr lang="en-US" dirty="0"/>
+              <a:t>Studies</a:t>
+            </a:r>
+          </a:p>
+        </p:txBody>
+      </p:sp>
+      <p:sp>
+        <p:nvSpPr>
+          <p:cNvPr id="7" name="Content Placeholder 6">
+            <a:extLst>
+              <a:ext uri="{FF2B5EF4-FFF2-40B4-BE49-F238E27FC236}">
+                <a16:creationId xmlns:a16="http://schemas.microsoft.com/office/drawing/2014/main" id="{2A7FF59E-F686-E520-5A4C-12D088D3AD95}"/>
+              </a:ext>
+            </a:extLst>
+          </p:cNvPr>
+          <p:cNvSpPr>
+            <a:spLocks noGrp="1"/>
+          </p:cNvSpPr>
+          <p:nvPr>
+            <p:ph sz="half" idx="2"/>
+          </p:nvPr>
+        </p:nvSpPr>
+        <p:spPr/>
+        <p:txBody>
+          <a:bodyPr/>
+          <a:lstStyle/>
+          <a:p>
+            <a:r>
+              <a:rPr lang="en-US" dirty="0"/>
+              <a:t>Werk et al. 2014 and Prochaska et al. 2017</a:t>
+            </a:r>
+          </a:p>
+          <a:p>
+            <a:pPr lvl="1"/>
+            <a:r>
+              <a:rPr lang="en-US" dirty="0"/>
+              <a:t>COS-Halos L</a:t>
+            </a:r>
+            <a:r>
+              <a:rPr lang="en-US" baseline="30000" dirty="0"/>
+              <a:t>*</a:t>
+            </a:r>
+            <a:r>
+              <a:rPr lang="en-US" dirty="0"/>
+              <a:t> galaxies</a:t>
+            </a:r>
+          </a:p>
+          <a:p>
+            <a:r>
+              <a:rPr lang="en-US" dirty="0"/>
+              <a:t>Singh Bisht et al. 2024</a:t>
+            </a:r>
+          </a:p>
+          <a:p>
+            <a:pPr lvl="1"/>
+            <a:r>
+              <a:rPr lang="en-US" dirty="0"/>
+              <a:t>Wide range of MW-like galaxies, </a:t>
+            </a:r>
+            <a:r>
+              <a:rPr lang="en-US" dirty="0" err="1"/>
+              <a:t>MgII</a:t>
+            </a:r>
+            <a:r>
+              <a:rPr lang="en-US" dirty="0"/>
+              <a:t> measurements</a:t>
+            </a:r>
+          </a:p>
+          <a:p>
+            <a:r>
+              <a:rPr lang="en-US" dirty="0" err="1"/>
+              <a:t>Zahedy</a:t>
+            </a:r>
+            <a:r>
+              <a:rPr lang="en-US" dirty="0"/>
+              <a:t> et al. 2019</a:t>
+            </a:r>
+          </a:p>
+          <a:p>
+            <a:pPr lvl="1"/>
+            <a:r>
+              <a:rPr lang="en-US" dirty="0"/>
+              <a:t>Luminous red galaxies with &gt;10</a:t>
+            </a:r>
+            <a:r>
+              <a:rPr lang="en-US" baseline="30000" dirty="0"/>
+              <a:t>11</a:t>
+            </a:r>
+            <a:r>
+              <a:rPr lang="en-US" dirty="0"/>
+              <a:t> M</a:t>
+            </a:r>
+            <a:r>
+              <a:rPr lang="en-US" baseline="-25000" dirty="0"/>
+              <a:t>⊙</a:t>
+            </a:r>
+            <a:endParaRPr lang="en-US" dirty="0"/>
+          </a:p>
+        </p:txBody>
+      </p:sp>
+      <p:sp>
+        <p:nvSpPr>
+          <p:cNvPr id="8" name="Text Placeholder 7">
+            <a:extLst>
+              <a:ext uri="{FF2B5EF4-FFF2-40B4-BE49-F238E27FC236}">
+                <a16:creationId xmlns:a16="http://schemas.microsoft.com/office/drawing/2014/main" id="{CB8CB79A-2173-E17B-CB38-B8B85D016CB1}"/>
+              </a:ext>
+            </a:extLst>
+          </p:cNvPr>
+          <p:cNvSpPr>
+            <a:spLocks noGrp="1"/>
+          </p:cNvSpPr>
+          <p:nvPr>
+            <p:ph type="body" sz="quarter" idx="3"/>
+          </p:nvPr>
+        </p:nvSpPr>
+        <p:spPr/>
+        <p:txBody>
+          <a:bodyPr/>
+          <a:lstStyle/>
+          <a:p>
+            <a:r>
+              <a:rPr lang="en-US" dirty="0"/>
+              <a:t>Results</a:t>
+            </a:r>
+          </a:p>
+        </p:txBody>
+      </p:sp>
+      <p:sp>
+        <p:nvSpPr>
+          <p:cNvPr id="9" name="Content Placeholder 8">
+            <a:extLst>
+              <a:ext uri="{FF2B5EF4-FFF2-40B4-BE49-F238E27FC236}">
+                <a16:creationId xmlns:a16="http://schemas.microsoft.com/office/drawing/2014/main" id="{2531D8C1-8A6F-4CB6-759E-A718567CAA56}"/>
+              </a:ext>
+            </a:extLst>
+          </p:cNvPr>
+          <p:cNvSpPr>
+            <a:spLocks noGrp="1"/>
+          </p:cNvSpPr>
+          <p:nvPr>
+            <p:ph sz="quarter" idx="4"/>
+          </p:nvPr>
+        </p:nvSpPr>
+        <p:spPr/>
+        <p:txBody>
+          <a:bodyPr/>
+          <a:lstStyle/>
+          <a:p>
+            <a:r>
+              <a:rPr lang="en-US" dirty="0"/>
+              <a:t>Upper limit (volume filling)</a:t>
+            </a:r>
+          </a:p>
+          <a:p>
+            <a:pPr lvl="1"/>
+            <a:r>
+              <a:rPr lang="en-US" dirty="0"/>
+              <a:t>Cool gas baryon fraction constant across three order of halo mass</a:t>
+            </a:r>
+          </a:p>
+          <a:p>
+            <a:pPr lvl="1"/>
+            <a:r>
+              <a:rPr lang="en-US" dirty="0"/>
+              <a:t>f~1-10%</a:t>
+            </a:r>
+          </a:p>
+          <a:p>
+            <a:r>
+              <a:rPr lang="en-US" dirty="0"/>
+              <a:t>Lower limits (clumpy model)</a:t>
+            </a:r>
+          </a:p>
+          <a:p>
+            <a:pPr lvl="1"/>
+            <a:r>
+              <a:rPr lang="en-US" dirty="0"/>
+              <a:t>Significant cool gas baryon fraction variations</a:t>
+            </a:r>
+          </a:p>
+          <a:p>
+            <a:r>
+              <a:rPr lang="en-US" dirty="0"/>
+              <a:t>Different methods and samples make comparison highly uncertain</a:t>
             </a:r>
           </a:p>
         </p:txBody>
       </p:sp>
     </p:spTree>
+    <p:extLst>
+      <p:ext uri="{BB962C8B-B14F-4D97-AF65-F5344CB8AC3E}">
+        <p14:creationId xmlns:p14="http://schemas.microsoft.com/office/powerpoint/2010/main" val="435127848"/>
+      </p:ext>
+    </p:extLst>
   </p:cSld>
   <p:clrMapOvr>
     <a:masterClrMapping/>
@@ -6186,4 +8011,299 @@
     </a:ext>
   </a:extLst>
 </a:theme>
+</file>
+
+<file path=ppt/theme/theme2.xml><?xml version="1.0" encoding="utf-8"?>
+<a:theme xmlns:a="http://schemas.openxmlformats.org/drawingml/2006/main" name="Office Theme">
+  <a:themeElements>
+    <a:clrScheme name="Office">
+      <a:dk1>
+        <a:sysClr val="windowText" lastClr="000000"/>
+      </a:dk1>
+      <a:lt1>
+        <a:sysClr val="window" lastClr="FFFFFF"/>
+      </a:lt1>
+      <a:dk2>
+        <a:srgbClr val="44546A"/>
+      </a:dk2>
+      <a:lt2>
+        <a:srgbClr val="E7E6E6"/>
+      </a:lt2>
+      <a:accent1>
+        <a:srgbClr val="4472C4"/>
+      </a:accent1>
+      <a:accent2>
+        <a:srgbClr val="ED7D31"/>
+      </a:accent2>
+      <a:accent3>
+        <a:srgbClr val="A5A5A5"/>
+      </a:accent3>
+      <a:accent4>
+        <a:srgbClr val="FFC000"/>
+      </a:accent4>
+      <a:accent5>
+        <a:srgbClr val="5B9BD5"/>
+      </a:accent5>
+      <a:accent6>
+        <a:srgbClr val="70AD47"/>
+      </a:accent6>
+      <a:hlink>
+        <a:srgbClr val="0563C1"/>
+      </a:hlink>
+      <a:folHlink>
+        <a:srgbClr val="954F72"/>
+      </a:folHlink>
+    </a:clrScheme>
+    <a:fontScheme name="Office">
+      <a:majorFont>
+        <a:latin typeface="Calibri Light" panose="020F0302020204030204"/>
+        <a:ea typeface=""/>
+        <a:cs typeface=""/>
+        <a:font script="Jpan" typeface="游ゴシック Light"/>
+        <a:font script="Hang" typeface="맑은 고딕"/>
+        <a:font script="Hans" typeface="等线 Light"/>
+        <a:font script="Hant" typeface="新細明體"/>
+        <a:font script="Arab" typeface="Times New Roman"/>
+        <a:font script="Hebr" typeface="Times New Roman"/>
+        <a:font script="Thai" typeface="Angsana New"/>
+        <a:font script="Ethi" typeface="Nyala"/>
+        <a:font script="Beng" typeface="Vrinda"/>
+        <a:font script="Gujr" typeface="Shruti"/>
+        <a:font script="Khmr" typeface="MoolBoran"/>
+        <a:font script="Knda" typeface="Tunga"/>
+        <a:font script="Guru" typeface="Raavi"/>
+        <a:font script="Cans" typeface="Euphemia"/>
+        <a:font script="Cher" typeface="Plantagenet Cherokee"/>
+        <a:font script="Yiii" typeface="Microsoft Yi Baiti"/>
+        <a:font script="Tibt" typeface="Microsoft Himalaya"/>
+        <a:font script="Thaa" typeface="MV Boli"/>
+        <a:font script="Deva" typeface="Mangal"/>
+        <a:font script="Telu" typeface="Gautami"/>
+        <a:font script="Taml" typeface="Latha"/>
+        <a:font script="Syrc" typeface="Estrangelo Edessa"/>
+        <a:font script="Orya" typeface="Kalinga"/>
+        <a:font script="Mlym" typeface="Kartika"/>
+        <a:font script="Laoo" typeface="DokChampa"/>
+        <a:font script="Sinh" typeface="Iskoola Pota"/>
+        <a:font script="Mong" typeface="Mongolian Baiti"/>
+        <a:font script="Viet" typeface="Times New Roman"/>
+        <a:font script="Uigh" typeface="Microsoft Uighur"/>
+        <a:font script="Geor" typeface="Sylfaen"/>
+        <a:font script="Armn" typeface="Arial"/>
+        <a:font script="Bugi" typeface="Leelawadee UI"/>
+        <a:font script="Bopo" typeface="Microsoft JhengHei"/>
+        <a:font script="Java" typeface="Javanese Text"/>
+        <a:font script="Lisu" typeface="Segoe UI"/>
+        <a:font script="Mymr" typeface="Myanmar Text"/>
+        <a:font script="Nkoo" typeface="Ebrima"/>
+        <a:font script="Olck" typeface="Nirmala UI"/>
+        <a:font script="Osma" typeface="Ebrima"/>
+        <a:font script="Phag" typeface="Phagspa"/>
+        <a:font script="Syrn" typeface="Estrangelo Edessa"/>
+        <a:font script="Syrj" typeface="Estrangelo Edessa"/>
+        <a:font script="Syre" typeface="Estrangelo Edessa"/>
+        <a:font script="Sora" typeface="Nirmala UI"/>
+        <a:font script="Tale" typeface="Microsoft Tai Le"/>
+        <a:font script="Talu" typeface="Microsoft New Tai Lue"/>
+        <a:font script="Tfng" typeface="Ebrima"/>
+      </a:majorFont>
+      <a:minorFont>
+        <a:latin typeface="Calibri" panose="020F0502020204030204"/>
+        <a:ea typeface=""/>
+        <a:cs typeface=""/>
+        <a:font script="Jpan" typeface="游ゴシック"/>
+        <a:font script="Hang" typeface="맑은 고딕"/>
+        <a:font script="Hans" typeface="等线"/>
+        <a:font script="Hant" typeface="新細明體"/>
+        <a:font script="Arab" typeface="Arial"/>
+        <a:font script="Hebr" typeface="Arial"/>
+        <a:font script="Thai" typeface="Cordia New"/>
+        <a:font script="Ethi" typeface="Nyala"/>
+        <a:font script="Beng" typeface="Vrinda"/>
+        <a:font script="Gujr" typeface="Shruti"/>
+        <a:font script="Khmr" typeface="DaunPenh"/>
+        <a:font script="Knda" typeface="Tunga"/>
+        <a:font script="Guru" typeface="Raavi"/>
+        <a:font script="Cans" typeface="Euphemia"/>
+        <a:font script="Cher" typeface="Plantagenet Cherokee"/>
+        <a:font script="Yiii" typeface="Microsoft Yi Baiti"/>
+        <a:font script="Tibt" typeface="Microsoft Himalaya"/>
+        <a:font script="Thaa" typeface="MV Boli"/>
+        <a:font script="Deva" typeface="Mangal"/>
+        <a:font script="Telu" typeface="Gautami"/>
+        <a:font script="Taml" typeface="Latha"/>
+        <a:font script="Syrc" typeface="Estrangelo Edessa"/>
+        <a:font script="Orya" typeface="Kalinga"/>
+        <a:font script="Mlym" typeface="Kartika"/>
+        <a:font script="Laoo" typeface="DokChampa"/>
+        <a:font script="Sinh" typeface="Iskoola Pota"/>
+        <a:font script="Mong" typeface="Mongolian Baiti"/>
+        <a:font script="Viet" typeface="Arial"/>
+        <a:font script="Uigh" typeface="Microsoft Uighur"/>
+        <a:font script="Geor" typeface="Sylfaen"/>
+        <a:font script="Armn" typeface="Arial"/>
+        <a:font script="Bugi" typeface="Leelawadee UI"/>
+        <a:font script="Bopo" typeface="Microsoft JhengHei"/>
+        <a:font script="Java" typeface="Javanese Text"/>
+        <a:font script="Lisu" typeface="Segoe UI"/>
+        <a:font script="Mymr" typeface="Myanmar Text"/>
+        <a:font script="Nkoo" typeface="Ebrima"/>
+        <a:font script="Olck" typeface="Nirmala UI"/>
+        <a:font script="Osma" typeface="Ebrima"/>
+        <a:font script="Phag" typeface="Phagspa"/>
+        <a:font script="Syrn" typeface="Estrangelo Edessa"/>
+        <a:font script="Syrj" typeface="Estrangelo Edessa"/>
+        <a:font script="Syre" typeface="Estrangelo Edessa"/>
+        <a:font script="Sora" typeface="Nirmala UI"/>
+        <a:font script="Tale" typeface="Microsoft Tai Le"/>
+        <a:font script="Talu" typeface="Microsoft New Tai Lue"/>
+        <a:font script="Tfng" typeface="Ebrima"/>
+      </a:minorFont>
+    </a:fontScheme>
+    <a:fmtScheme name="Office">
+      <a:fillStyleLst>
+        <a:solidFill>
+          <a:schemeClr val="phClr"/>
+        </a:solidFill>
+        <a:gradFill rotWithShape="1">
+          <a:gsLst>
+            <a:gs pos="0">
+              <a:schemeClr val="phClr">
+                <a:lumMod val="110000"/>
+                <a:satMod val="105000"/>
+                <a:tint val="67000"/>
+              </a:schemeClr>
+            </a:gs>
+            <a:gs pos="50000">
+              <a:schemeClr val="phClr">
+                <a:lumMod val="105000"/>
+                <a:satMod val="103000"/>
+                <a:tint val="73000"/>
+              </a:schemeClr>
+            </a:gs>
+            <a:gs pos="100000">
+              <a:schemeClr val="phClr">
+                <a:lumMod val="105000"/>
+                <a:satMod val="109000"/>
+                <a:tint val="81000"/>
+              </a:schemeClr>
+            </a:gs>
+          </a:gsLst>
+          <a:lin ang="5400000" scaled="0"/>
+        </a:gradFill>
+        <a:gradFill rotWithShape="1">
+          <a:gsLst>
+            <a:gs pos="0">
+              <a:schemeClr val="phClr">
+                <a:satMod val="103000"/>
+                <a:lumMod val="102000"/>
+                <a:tint val="94000"/>
+              </a:schemeClr>
+            </a:gs>
+            <a:gs pos="50000">
+              <a:schemeClr val="phClr">
+                <a:satMod val="110000"/>
+                <a:lumMod val="100000"/>
+                <a:shade val="100000"/>
+              </a:schemeClr>
+            </a:gs>
+            <a:gs pos="100000">
+              <a:schemeClr val="phClr">
+                <a:lumMod val="99000"/>
+                <a:satMod val="120000"/>
+                <a:shade val="78000"/>
+              </a:schemeClr>
+            </a:gs>
+          </a:gsLst>
+          <a:lin ang="5400000" scaled="0"/>
+        </a:gradFill>
+      </a:fillStyleLst>
+      <a:lnStyleLst>
+        <a:ln w="6350" cap="flat" cmpd="sng" algn="ctr">
+          <a:solidFill>
+            <a:schemeClr val="phClr"/>
+          </a:solidFill>
+          <a:prstDash val="solid"/>
+          <a:miter lim="800000"/>
+        </a:ln>
+        <a:ln w="12700" cap="flat" cmpd="sng" algn="ctr">
+          <a:solidFill>
+            <a:schemeClr val="phClr"/>
+          </a:solidFill>
+          <a:prstDash val="solid"/>
+          <a:miter lim="800000"/>
+        </a:ln>
+        <a:ln w="19050" cap="flat" cmpd="sng" algn="ctr">
+          <a:solidFill>
+            <a:schemeClr val="phClr"/>
+          </a:solidFill>
+          <a:prstDash val="solid"/>
+          <a:miter lim="800000"/>
+        </a:ln>
+      </a:lnStyleLst>
+      <a:effectStyleLst>
+        <a:effectStyle>
+          <a:effectLst/>
+        </a:effectStyle>
+        <a:effectStyle>
+          <a:effectLst/>
+        </a:effectStyle>
+        <a:effectStyle>
+          <a:effectLst>
+            <a:outerShdw blurRad="57150" dist="19050" dir="5400000" algn="ctr" rotWithShape="0">
+              <a:srgbClr val="000000">
+                <a:alpha val="63000"/>
+              </a:srgbClr>
+            </a:outerShdw>
+          </a:effectLst>
+        </a:effectStyle>
+      </a:effectStyleLst>
+      <a:bgFillStyleLst>
+        <a:solidFill>
+          <a:schemeClr val="phClr"/>
+        </a:solidFill>
+        <a:solidFill>
+          <a:schemeClr val="phClr">
+            <a:tint val="95000"/>
+            <a:satMod val="170000"/>
+          </a:schemeClr>
+        </a:solidFill>
+        <a:gradFill rotWithShape="1">
+          <a:gsLst>
+            <a:gs pos="0">
+              <a:schemeClr val="phClr">
+                <a:tint val="93000"/>
+                <a:satMod val="150000"/>
+                <a:shade val="98000"/>
+                <a:lumMod val="102000"/>
+              </a:schemeClr>
+            </a:gs>
+            <a:gs pos="50000">
+              <a:schemeClr val="phClr">
+                <a:tint val="98000"/>
+                <a:satMod val="130000"/>
+                <a:shade val="90000"/>
+                <a:lumMod val="103000"/>
+              </a:schemeClr>
+            </a:gs>
+            <a:gs pos="100000">
+              <a:schemeClr val="phClr">
+                <a:shade val="63000"/>
+                <a:satMod val="120000"/>
+              </a:schemeClr>
+            </a:gs>
+          </a:gsLst>
+          <a:lin ang="5400000" scaled="0"/>
+        </a:gradFill>
+      </a:bgFillStyleLst>
+    </a:fmtScheme>
+  </a:themeElements>
+  <a:objectDefaults/>
+  <a:extraClrSchemeLst/>
+  <a:extLst>
+    <a:ext uri="{05A4C25C-085E-4340-85A3-A5531E510DB2}">
+      <thm15:themeFamily xmlns:thm15="http://schemas.microsoft.com/office/thememl/2012/main" name="Office Theme" id="{62F939B6-93AF-4DB8-9C6B-D6C7DFDC589F}" vid="{4A3C46E8-61CC-4603-A589-7422A47A8E4A}"/>
+    </a:ext>
+  </a:extLst>
+</a:theme>
 </file>